--- a/precursor-identification.pptx
+++ b/precursor-identification.pptx
@@ -8,6 +8,7 @@
     <p:sldId id="256" r:id="rId2"/>
     <p:sldId id="257" r:id="rId3"/>
     <p:sldId id="258" r:id="rId4"/>
+    <p:sldId id="259" r:id="rId5"/>
   </p:sldIdLst>
   <p:sldSz cx="12192000" cy="6858000"/>
   <p:notesSz cx="6858000" cy="9144000"/>
@@ -106,6 +107,11 @@
       </a:defRPr>
     </a:lvl9pPr>
   </p:defaultTextStyle>
+  <p:extLst>
+    <p:ext uri="{EFAFB233-063F-42B5-8137-9DF3F51BA10A}">
+      <p15:sldGuideLst xmlns:p15="http://schemas.microsoft.com/office/powerpoint/2012/main"/>
+    </p:ext>
+  </p:extLst>
 </p:presentation>
 </file>
 
@@ -240,7 +246,7 @@
           <a:p>
             <a:fld id="{21201D01-EC47-B74D-94FF-34F7A4EBF2BB}" type="datetimeFigureOut">
               <a:rPr lang="en-US" smtClean="0"/>
-              <a:t>8/16/17</a:t>
+              <a:t>8/23/17</a:t>
             </a:fld>
             <a:endParaRPr lang="en-US"/>
           </a:p>
@@ -410,7 +416,7 @@
           <a:p>
             <a:fld id="{21201D01-EC47-B74D-94FF-34F7A4EBF2BB}" type="datetimeFigureOut">
               <a:rPr lang="en-US" smtClean="0"/>
-              <a:t>8/16/17</a:t>
+              <a:t>8/23/17</a:t>
             </a:fld>
             <a:endParaRPr lang="en-US"/>
           </a:p>
@@ -590,7 +596,7 @@
           <a:p>
             <a:fld id="{21201D01-EC47-B74D-94FF-34F7A4EBF2BB}" type="datetimeFigureOut">
               <a:rPr lang="en-US" smtClean="0"/>
-              <a:t>8/16/17</a:t>
+              <a:t>8/23/17</a:t>
             </a:fld>
             <a:endParaRPr lang="en-US"/>
           </a:p>
@@ -760,7 +766,7 @@
           <a:p>
             <a:fld id="{21201D01-EC47-B74D-94FF-34F7A4EBF2BB}" type="datetimeFigureOut">
               <a:rPr lang="en-US" smtClean="0"/>
-              <a:t>8/16/17</a:t>
+              <a:t>8/23/17</a:t>
             </a:fld>
             <a:endParaRPr lang="en-US"/>
           </a:p>
@@ -1006,7 +1012,7 @@
           <a:p>
             <a:fld id="{21201D01-EC47-B74D-94FF-34F7A4EBF2BB}" type="datetimeFigureOut">
               <a:rPr lang="en-US" smtClean="0"/>
-              <a:t>8/16/17</a:t>
+              <a:t>8/23/17</a:t>
             </a:fld>
             <a:endParaRPr lang="en-US"/>
           </a:p>
@@ -1238,7 +1244,7 @@
           <a:p>
             <a:fld id="{21201D01-EC47-B74D-94FF-34F7A4EBF2BB}" type="datetimeFigureOut">
               <a:rPr lang="en-US" smtClean="0"/>
-              <a:t>8/16/17</a:t>
+              <a:t>8/23/17</a:t>
             </a:fld>
             <a:endParaRPr lang="en-US"/>
           </a:p>
@@ -1605,7 +1611,7 @@
           <a:p>
             <a:fld id="{21201D01-EC47-B74D-94FF-34F7A4EBF2BB}" type="datetimeFigureOut">
               <a:rPr lang="en-US" smtClean="0"/>
-              <a:t>8/16/17</a:t>
+              <a:t>8/23/17</a:t>
             </a:fld>
             <a:endParaRPr lang="en-US"/>
           </a:p>
@@ -1723,7 +1729,7 @@
           <a:p>
             <a:fld id="{21201D01-EC47-B74D-94FF-34F7A4EBF2BB}" type="datetimeFigureOut">
               <a:rPr lang="en-US" smtClean="0"/>
-              <a:t>8/16/17</a:t>
+              <a:t>8/23/17</a:t>
             </a:fld>
             <a:endParaRPr lang="en-US"/>
           </a:p>
@@ -1818,7 +1824,7 @@
           <a:p>
             <a:fld id="{21201D01-EC47-B74D-94FF-34F7A4EBF2BB}" type="datetimeFigureOut">
               <a:rPr lang="en-US" smtClean="0"/>
-              <a:t>8/16/17</a:t>
+              <a:t>8/23/17</a:t>
             </a:fld>
             <a:endParaRPr lang="en-US"/>
           </a:p>
@@ -2095,7 +2101,7 @@
           <a:p>
             <a:fld id="{21201D01-EC47-B74D-94FF-34F7A4EBF2BB}" type="datetimeFigureOut">
               <a:rPr lang="en-US" smtClean="0"/>
-              <a:t>8/16/17</a:t>
+              <a:t>8/23/17</a:t>
             </a:fld>
             <a:endParaRPr lang="en-US"/>
           </a:p>
@@ -2348,7 +2354,7 @@
           <a:p>
             <a:fld id="{21201D01-EC47-B74D-94FF-34F7A4EBF2BB}" type="datetimeFigureOut">
               <a:rPr lang="en-US" smtClean="0"/>
-              <a:t>8/16/17</a:t>
+              <a:t>8/23/17</a:t>
             </a:fld>
             <a:endParaRPr lang="en-US"/>
           </a:p>
@@ -2561,7 +2567,7 @@
           <a:p>
             <a:fld id="{21201D01-EC47-B74D-94FF-34F7A4EBF2BB}" type="datetimeFigureOut">
               <a:rPr lang="en-US" smtClean="0"/>
-              <a:t>8/16/17</a:t>
+              <a:t>8/23/17</a:t>
             </a:fld>
             <a:endParaRPr lang="en-US"/>
           </a:p>
@@ -5951,6 +5957,2107 @@
 </p:sld>
 </file>
 
+<file path=ppt/slides/slide4.xml><?xml version="1.0" encoding="utf-8"?>
+<p:sld xmlns:a="http://schemas.openxmlformats.org/drawingml/2006/main" xmlns:r="http://schemas.openxmlformats.org/officeDocument/2006/relationships" xmlns:p="http://schemas.openxmlformats.org/presentationml/2006/main">
+  <p:cSld>
+    <p:spTree>
+      <p:nvGrpSpPr>
+        <p:cNvPr id="1" name=""/>
+        <p:cNvGrpSpPr/>
+        <p:nvPr/>
+      </p:nvGrpSpPr>
+      <p:grpSpPr>
+        <a:xfrm>
+          <a:off x="0" y="0"/>
+          <a:ext cx="0" cy="0"/>
+          <a:chOff x="0" y="0"/>
+          <a:chExt cx="0" cy="0"/>
+        </a:xfrm>
+      </p:grpSpPr>
+      <p:sp>
+        <p:nvSpPr>
+          <p:cNvPr id="5" name="TextBox 4"/>
+          <p:cNvSpPr txBox="1"/>
+          <p:nvPr/>
+        </p:nvSpPr>
+        <p:spPr>
+          <a:xfrm rot="5400000">
+            <a:off x="5294928" y="3784824"/>
+            <a:ext cx="433132" cy="523220"/>
+          </a:xfrm>
+          <a:prstGeom prst="rect">
+            <a:avLst/>
+          </a:prstGeom>
+          <a:noFill/>
+        </p:spPr>
+        <p:txBody>
+          <a:bodyPr wrap="none" rtlCol="0">
+            <a:spAutoFit/>
+          </a:bodyPr>
+          <a:lstStyle/>
+          <a:p>
+            <a:r>
+              <a:rPr lang="mr-IN" sz="2800" smtClean="0"/>
+              <a:t>…</a:t>
+            </a:r>
+            <a:endParaRPr lang="en-US" sz="2800" dirty="0"/>
+          </a:p>
+        </p:txBody>
+      </p:sp>
+      <p:sp>
+        <p:nvSpPr>
+          <p:cNvPr id="87" name="TextBox 86"/>
+          <p:cNvSpPr txBox="1"/>
+          <p:nvPr/>
+        </p:nvSpPr>
+        <p:spPr>
+          <a:xfrm rot="5400000">
+            <a:off x="3243024" y="3768597"/>
+            <a:ext cx="433132" cy="523220"/>
+          </a:xfrm>
+          <a:prstGeom prst="rect">
+            <a:avLst/>
+          </a:prstGeom>
+          <a:noFill/>
+        </p:spPr>
+        <p:txBody>
+          <a:bodyPr wrap="none" rtlCol="0">
+            <a:spAutoFit/>
+          </a:bodyPr>
+          <a:lstStyle/>
+          <a:p>
+            <a:r>
+              <a:rPr lang="mr-IN" sz="2800" smtClean="0"/>
+              <a:t>…</a:t>
+            </a:r>
+            <a:endParaRPr lang="en-US" sz="2800" dirty="0"/>
+          </a:p>
+        </p:txBody>
+      </p:sp>
+      <p:cxnSp>
+        <p:nvCxnSpPr>
+          <p:cNvPr id="88" name="Straight Arrow Connector 87"/>
+          <p:cNvCxnSpPr/>
+          <p:nvPr/>
+        </p:nvCxnSpPr>
+        <p:spPr>
+          <a:xfrm flipH="1">
+            <a:off x="7606276" y="1930896"/>
+            <a:ext cx="289" cy="418164"/>
+          </a:xfrm>
+          <a:prstGeom prst="straightConnector1">
+            <a:avLst/>
+          </a:prstGeom>
+          <a:ln w="38100">
+            <a:solidFill>
+              <a:schemeClr val="accent1"/>
+            </a:solidFill>
+            <a:tailEnd type="triangle"/>
+          </a:ln>
+        </p:spPr>
+        <p:style>
+          <a:lnRef idx="1">
+            <a:schemeClr val="accent1"/>
+          </a:lnRef>
+          <a:fillRef idx="0">
+            <a:schemeClr val="accent1"/>
+          </a:fillRef>
+          <a:effectRef idx="0">
+            <a:schemeClr val="accent1"/>
+          </a:effectRef>
+          <a:fontRef idx="minor">
+            <a:schemeClr val="tx1"/>
+          </a:fontRef>
+        </p:style>
+      </p:cxnSp>
+      <p:cxnSp>
+        <p:nvCxnSpPr>
+          <p:cNvPr id="90" name="Straight Arrow Connector 89"/>
+          <p:cNvCxnSpPr/>
+          <p:nvPr/>
+        </p:nvCxnSpPr>
+        <p:spPr>
+          <a:xfrm flipH="1">
+            <a:off x="7610761" y="3496085"/>
+            <a:ext cx="289" cy="418164"/>
+          </a:xfrm>
+          <a:prstGeom prst="straightConnector1">
+            <a:avLst/>
+          </a:prstGeom>
+          <a:ln w="38100">
+            <a:solidFill>
+              <a:schemeClr val="accent1"/>
+            </a:solidFill>
+            <a:tailEnd type="triangle"/>
+          </a:ln>
+        </p:spPr>
+        <p:style>
+          <a:lnRef idx="1">
+            <a:schemeClr val="accent1"/>
+          </a:lnRef>
+          <a:fillRef idx="0">
+            <a:schemeClr val="accent1"/>
+          </a:fillRef>
+          <a:effectRef idx="0">
+            <a:schemeClr val="accent1"/>
+          </a:effectRef>
+          <a:fontRef idx="minor">
+            <a:schemeClr val="tx1"/>
+          </a:fontRef>
+        </p:style>
+      </p:cxnSp>
+      <p:cxnSp>
+        <p:nvCxnSpPr>
+          <p:cNvPr id="92" name="Straight Arrow Connector 91"/>
+          <p:cNvCxnSpPr/>
+          <p:nvPr/>
+        </p:nvCxnSpPr>
+        <p:spPr>
+          <a:xfrm>
+            <a:off x="8640566" y="5298583"/>
+            <a:ext cx="955497" cy="3"/>
+          </a:xfrm>
+          <a:prstGeom prst="straightConnector1">
+            <a:avLst/>
+          </a:prstGeom>
+          <a:ln w="38100">
+            <a:solidFill>
+              <a:schemeClr val="accent1"/>
+            </a:solidFill>
+            <a:tailEnd type="triangle"/>
+          </a:ln>
+        </p:spPr>
+        <p:style>
+          <a:lnRef idx="1">
+            <a:schemeClr val="accent1"/>
+          </a:lnRef>
+          <a:fillRef idx="0">
+            <a:schemeClr val="accent1"/>
+          </a:fillRef>
+          <a:effectRef idx="0">
+            <a:schemeClr val="accent1"/>
+          </a:effectRef>
+          <a:fontRef idx="minor">
+            <a:schemeClr val="tx1"/>
+          </a:fontRef>
+        </p:style>
+      </p:cxnSp>
+      <p:sp>
+        <p:nvSpPr>
+          <p:cNvPr id="16" name="TextBox 15"/>
+          <p:cNvSpPr txBox="1"/>
+          <p:nvPr/>
+        </p:nvSpPr>
+        <p:spPr>
+          <a:xfrm>
+            <a:off x="799900" y="5059508"/>
+            <a:ext cx="261610" cy="369332"/>
+          </a:xfrm>
+          <a:prstGeom prst="rect">
+            <a:avLst/>
+          </a:prstGeom>
+          <a:noFill/>
+        </p:spPr>
+        <p:txBody>
+          <a:bodyPr wrap="none" rtlCol="0">
+            <a:spAutoFit/>
+          </a:bodyPr>
+          <a:lstStyle/>
+          <a:p>
+            <a:r>
+              <a:rPr lang="en-US" i="1" dirty="0" smtClean="0"/>
+              <a:t>t</a:t>
+            </a:r>
+            <a:endParaRPr lang="en-US" i="1" dirty="0"/>
+          </a:p>
+        </p:txBody>
+      </p:sp>
+      <p:sp>
+        <p:nvSpPr>
+          <p:cNvPr id="94" name="TextBox 93"/>
+          <p:cNvSpPr txBox="1"/>
+          <p:nvPr/>
+        </p:nvSpPr>
+        <p:spPr>
+          <a:xfrm>
+            <a:off x="623532" y="2705019"/>
+            <a:ext cx="676275" cy="369332"/>
+          </a:xfrm>
+          <a:prstGeom prst="rect">
+            <a:avLst/>
+          </a:prstGeom>
+          <a:noFill/>
+        </p:spPr>
+        <p:txBody>
+          <a:bodyPr wrap="none" rtlCol="0">
+            <a:spAutoFit/>
+          </a:bodyPr>
+          <a:lstStyle/>
+          <a:p>
+            <a:r>
+              <a:rPr lang="en-US" i="1" dirty="0" smtClean="0"/>
+              <a:t>t-h+2</a:t>
+            </a:r>
+            <a:endParaRPr lang="en-US" i="1" dirty="0"/>
+          </a:p>
+        </p:txBody>
+      </p:sp>
+      <p:sp>
+        <p:nvSpPr>
+          <p:cNvPr id="95" name="TextBox 94"/>
+          <p:cNvSpPr txBox="1"/>
+          <p:nvPr/>
+        </p:nvSpPr>
+        <p:spPr>
+          <a:xfrm>
+            <a:off x="673570" y="1193044"/>
+            <a:ext cx="676275" cy="369332"/>
+          </a:xfrm>
+          <a:prstGeom prst="rect">
+            <a:avLst/>
+          </a:prstGeom>
+          <a:noFill/>
+        </p:spPr>
+        <p:txBody>
+          <a:bodyPr wrap="none" rtlCol="0">
+            <a:spAutoFit/>
+          </a:bodyPr>
+          <a:lstStyle/>
+          <a:p>
+            <a:r>
+              <a:rPr lang="en-US" i="1" dirty="0" smtClean="0"/>
+              <a:t>t-h+1</a:t>
+            </a:r>
+            <a:endParaRPr lang="en-US" i="1" dirty="0"/>
+          </a:p>
+        </p:txBody>
+      </p:sp>
+      <p:sp>
+        <p:nvSpPr>
+          <p:cNvPr id="17" name="Left Brace 16"/>
+          <p:cNvSpPr/>
+          <p:nvPr/>
+        </p:nvSpPr>
+        <p:spPr>
+          <a:xfrm>
+            <a:off x="317900" y="1393976"/>
+            <a:ext cx="340383" cy="3904607"/>
+          </a:xfrm>
+          <a:prstGeom prst="leftBrace">
+            <a:avLst/>
+          </a:prstGeom>
+        </p:spPr>
+        <p:style>
+          <a:lnRef idx="1">
+            <a:schemeClr val="accent1"/>
+          </a:lnRef>
+          <a:fillRef idx="0">
+            <a:schemeClr val="accent1"/>
+          </a:fillRef>
+          <a:effectRef idx="0">
+            <a:schemeClr val="accent1"/>
+          </a:effectRef>
+          <a:fontRef idx="minor">
+            <a:schemeClr val="tx1"/>
+          </a:fontRef>
+        </p:style>
+        <p:txBody>
+          <a:bodyPr rtlCol="0" anchor="ctr"/>
+          <a:lstStyle/>
+          <a:p>
+            <a:pPr algn="ctr"/>
+            <a:endParaRPr lang="en-US"/>
+          </a:p>
+        </p:txBody>
+      </p:sp>
+      <p:sp>
+        <p:nvSpPr>
+          <p:cNvPr id="18" name="TextBox 17"/>
+          <p:cNvSpPr txBox="1"/>
+          <p:nvPr/>
+        </p:nvSpPr>
+        <p:spPr>
+          <a:xfrm>
+            <a:off x="130658" y="3147301"/>
+            <a:ext cx="303288" cy="369332"/>
+          </a:xfrm>
+          <a:prstGeom prst="rect">
+            <a:avLst/>
+          </a:prstGeom>
+          <a:noFill/>
+        </p:spPr>
+        <p:txBody>
+          <a:bodyPr wrap="none" rtlCol="0">
+            <a:spAutoFit/>
+          </a:bodyPr>
+          <a:lstStyle/>
+          <a:p>
+            <a:r>
+              <a:rPr lang="en-US" i="1" dirty="0"/>
+              <a:t>h</a:t>
+            </a:r>
+            <a:endParaRPr lang="en-US" i="1" dirty="0"/>
+          </a:p>
+        </p:txBody>
+      </p:sp>
+      <p:sp>
+        <p:nvSpPr>
+          <p:cNvPr id="19" name="TextBox 18"/>
+          <p:cNvSpPr txBox="1"/>
+          <p:nvPr/>
+        </p:nvSpPr>
+        <p:spPr>
+          <a:xfrm>
+            <a:off x="9742255" y="5113917"/>
+            <a:ext cx="1648208" cy="369332"/>
+          </a:xfrm>
+          <a:prstGeom prst="rect">
+            <a:avLst/>
+          </a:prstGeom>
+          <a:noFill/>
+          <a:ln>
+            <a:solidFill>
+              <a:schemeClr val="accent1"/>
+            </a:solidFill>
+          </a:ln>
+        </p:spPr>
+        <p:txBody>
+          <a:bodyPr wrap="none" rtlCol="0">
+            <a:spAutoFit/>
+          </a:bodyPr>
+          <a:lstStyle/>
+          <a:p>
+            <a:r>
+              <a:rPr lang="en-US" dirty="0" smtClean="0"/>
+              <a:t>Event/No event</a:t>
+            </a:r>
+            <a:endParaRPr lang="en-US" dirty="0"/>
+          </a:p>
+        </p:txBody>
+      </p:sp>
+      <p:sp>
+        <p:nvSpPr>
+          <p:cNvPr id="96" name="TextBox 95"/>
+          <p:cNvSpPr txBox="1"/>
+          <p:nvPr/>
+        </p:nvSpPr>
+        <p:spPr>
+          <a:xfrm>
+            <a:off x="10304749" y="5581159"/>
+            <a:ext cx="587020" cy="369332"/>
+          </a:xfrm>
+          <a:prstGeom prst="rect">
+            <a:avLst/>
+          </a:prstGeom>
+          <a:noFill/>
+        </p:spPr>
+        <p:txBody>
+          <a:bodyPr wrap="none" rtlCol="0">
+            <a:spAutoFit/>
+          </a:bodyPr>
+          <a:lstStyle/>
+          <a:p>
+            <a:r>
+              <a:rPr lang="en-US" i="1" dirty="0" smtClean="0"/>
+              <a:t>t + k</a:t>
+            </a:r>
+            <a:endParaRPr lang="en-US" i="1" dirty="0"/>
+          </a:p>
+        </p:txBody>
+      </p:sp>
+      <p:grpSp>
+        <p:nvGrpSpPr>
+          <p:cNvPr id="11" name="Group 10"/>
+          <p:cNvGrpSpPr/>
+          <p:nvPr/>
+        </p:nvGrpSpPr>
+        <p:grpSpPr>
+          <a:xfrm>
+            <a:off x="1366463" y="904243"/>
+            <a:ext cx="6791812" cy="966661"/>
+            <a:chOff x="1366463" y="904243"/>
+            <a:chExt cx="6791812" cy="966661"/>
+          </a:xfrm>
+        </p:grpSpPr>
+        <p:grpSp>
+          <p:nvGrpSpPr>
+            <p:cNvPr id="15" name="Group 14"/>
+            <p:cNvGrpSpPr/>
+            <p:nvPr/>
+          </p:nvGrpSpPr>
+          <p:grpSpPr>
+            <a:xfrm>
+              <a:off x="1366463" y="1060066"/>
+              <a:ext cx="1315092" cy="654125"/>
+              <a:chOff x="1438382" y="1027417"/>
+              <a:chExt cx="1315092" cy="654125"/>
+            </a:xfrm>
+          </p:grpSpPr>
+          <p:grpSp>
+            <p:nvGrpSpPr>
+              <p:cNvPr id="13" name="Group 12"/>
+              <p:cNvGrpSpPr/>
+              <p:nvPr/>
+            </p:nvGrpSpPr>
+            <p:grpSpPr>
+              <a:xfrm>
+                <a:off x="1438382" y="1027417"/>
+                <a:ext cx="534259" cy="654125"/>
+                <a:chOff x="1438382" y="1592494"/>
+                <a:chExt cx="534259" cy="654125"/>
+              </a:xfrm>
+            </p:grpSpPr>
+            <p:sp>
+              <p:nvSpPr>
+                <p:cNvPr id="6" name="Rectangle 5"/>
+                <p:cNvSpPr/>
+                <p:nvPr/>
+              </p:nvSpPr>
+              <p:spPr>
+                <a:xfrm>
+                  <a:off x="1438382" y="1592494"/>
+                  <a:ext cx="339047" cy="544531"/>
+                </a:xfrm>
+                <a:prstGeom prst="rect">
+                  <a:avLst/>
+                </a:prstGeom>
+              </p:spPr>
+              <p:style>
+                <a:lnRef idx="2">
+                  <a:schemeClr val="accent1">
+                    <a:shade val="50000"/>
+                  </a:schemeClr>
+                </a:lnRef>
+                <a:fillRef idx="1">
+                  <a:schemeClr val="accent1"/>
+                </a:fillRef>
+                <a:effectRef idx="0">
+                  <a:schemeClr val="accent1"/>
+                </a:effectRef>
+                <a:fontRef idx="minor">
+                  <a:schemeClr val="lt1"/>
+                </a:fontRef>
+              </p:style>
+              <p:txBody>
+                <a:bodyPr rtlCol="0" anchor="ctr"/>
+                <a:lstStyle/>
+                <a:p>
+                  <a:pPr algn="ctr"/>
+                  <a:endParaRPr lang="en-US"/>
+                </a:p>
+              </p:txBody>
+            </p:sp>
+            <p:sp>
+              <p:nvSpPr>
+                <p:cNvPr id="7" name="Rectangle 6"/>
+                <p:cNvSpPr/>
+                <p:nvPr/>
+              </p:nvSpPr>
+              <p:spPr>
+                <a:xfrm>
+                  <a:off x="1518864" y="1642154"/>
+                  <a:ext cx="339047" cy="544531"/>
+                </a:xfrm>
+                <a:prstGeom prst="rect">
+                  <a:avLst/>
+                </a:prstGeom>
+              </p:spPr>
+              <p:style>
+                <a:lnRef idx="2">
+                  <a:schemeClr val="accent1">
+                    <a:shade val="50000"/>
+                  </a:schemeClr>
+                </a:lnRef>
+                <a:fillRef idx="1">
+                  <a:schemeClr val="accent1"/>
+                </a:fillRef>
+                <a:effectRef idx="0">
+                  <a:schemeClr val="accent1"/>
+                </a:effectRef>
+                <a:fontRef idx="minor">
+                  <a:schemeClr val="lt1"/>
+                </a:fontRef>
+              </p:style>
+              <p:txBody>
+                <a:bodyPr rtlCol="0" anchor="ctr"/>
+                <a:lstStyle/>
+                <a:p>
+                  <a:pPr algn="ctr"/>
+                  <a:endParaRPr lang="en-US"/>
+                </a:p>
+              </p:txBody>
+            </p:sp>
+            <p:sp>
+              <p:nvSpPr>
+                <p:cNvPr id="8" name="Rectangle 7"/>
+                <p:cNvSpPr/>
+                <p:nvPr/>
+              </p:nvSpPr>
+              <p:spPr>
+                <a:xfrm>
+                  <a:off x="1633594" y="1702088"/>
+                  <a:ext cx="339047" cy="544531"/>
+                </a:xfrm>
+                <a:prstGeom prst="rect">
+                  <a:avLst/>
+                </a:prstGeom>
+              </p:spPr>
+              <p:style>
+                <a:lnRef idx="2">
+                  <a:schemeClr val="accent1">
+                    <a:shade val="50000"/>
+                  </a:schemeClr>
+                </a:lnRef>
+                <a:fillRef idx="1">
+                  <a:schemeClr val="accent1"/>
+                </a:fillRef>
+                <a:effectRef idx="0">
+                  <a:schemeClr val="accent1"/>
+                </a:effectRef>
+                <a:fontRef idx="minor">
+                  <a:schemeClr val="lt1"/>
+                </a:fontRef>
+              </p:style>
+              <p:txBody>
+                <a:bodyPr rtlCol="0" anchor="ctr"/>
+                <a:lstStyle/>
+                <a:p>
+                  <a:pPr algn="ctr"/>
+                  <a:endParaRPr lang="en-US"/>
+                </a:p>
+              </p:txBody>
+            </p:sp>
+          </p:grpSp>
+          <p:cxnSp>
+            <p:nvCxnSpPr>
+              <p:cNvPr id="10" name="Straight Arrow Connector 9"/>
+              <p:cNvCxnSpPr/>
+              <p:nvPr/>
+            </p:nvCxnSpPr>
+            <p:spPr>
+              <a:xfrm>
+                <a:off x="2147299" y="1349342"/>
+                <a:ext cx="606175" cy="0"/>
+              </a:xfrm>
+              <a:prstGeom prst="straightConnector1">
+                <a:avLst/>
+              </a:prstGeom>
+              <a:ln w="38100">
+                <a:solidFill>
+                  <a:schemeClr val="accent1"/>
+                </a:solidFill>
+                <a:tailEnd type="triangle"/>
+              </a:ln>
+            </p:spPr>
+            <p:style>
+              <a:lnRef idx="1">
+                <a:schemeClr val="accent1"/>
+              </a:lnRef>
+              <a:fillRef idx="0">
+                <a:schemeClr val="accent1"/>
+              </a:fillRef>
+              <a:effectRef idx="0">
+                <a:schemeClr val="accent1"/>
+              </a:effectRef>
+              <a:fontRef idx="minor">
+                <a:schemeClr val="tx1"/>
+              </a:fontRef>
+            </p:style>
+          </p:cxnSp>
+        </p:grpSp>
+        <p:cxnSp>
+          <p:nvCxnSpPr>
+            <p:cNvPr id="26" name="Straight Arrow Connector 25"/>
+            <p:cNvCxnSpPr/>
+            <p:nvPr/>
+          </p:nvCxnSpPr>
+          <p:spPr>
+            <a:xfrm>
+              <a:off x="6222422" y="1383352"/>
+              <a:ext cx="606175" cy="0"/>
+            </a:xfrm>
+            <a:prstGeom prst="straightConnector1">
+              <a:avLst/>
+            </a:prstGeom>
+            <a:ln w="38100">
+              <a:solidFill>
+                <a:schemeClr val="accent1"/>
+              </a:solidFill>
+              <a:tailEnd type="triangle"/>
+            </a:ln>
+          </p:spPr>
+          <p:style>
+            <a:lnRef idx="1">
+              <a:schemeClr val="accent1"/>
+            </a:lnRef>
+            <a:fillRef idx="0">
+              <a:schemeClr val="accent1"/>
+            </a:fillRef>
+            <a:effectRef idx="0">
+              <a:schemeClr val="accent1"/>
+            </a:effectRef>
+            <a:fontRef idx="minor">
+              <a:schemeClr val="tx1"/>
+            </a:fontRef>
+          </p:style>
+        </p:cxnSp>
+        <p:grpSp>
+          <p:nvGrpSpPr>
+            <p:cNvPr id="9" name="Group 8"/>
+            <p:cNvGrpSpPr/>
+            <p:nvPr/>
+          </p:nvGrpSpPr>
+          <p:grpSpPr>
+            <a:xfrm>
+              <a:off x="4893850" y="904243"/>
+              <a:ext cx="1133515" cy="946934"/>
+              <a:chOff x="2818473" y="904243"/>
+              <a:chExt cx="1133515" cy="946934"/>
+            </a:xfrm>
+          </p:grpSpPr>
+          <p:sp>
+            <p:nvSpPr>
+              <p:cNvPr id="25" name="Rounded Rectangle 24"/>
+              <p:cNvSpPr/>
+              <p:nvPr/>
+            </p:nvSpPr>
+            <p:spPr>
+              <a:xfrm>
+                <a:off x="2818473" y="904243"/>
+                <a:ext cx="1133515" cy="946934"/>
+              </a:xfrm>
+              <a:prstGeom prst="roundRect">
+                <a:avLst/>
+              </a:prstGeom>
+              <a:noFill/>
+              <a:ln w="28575"/>
+            </p:spPr>
+            <p:style>
+              <a:lnRef idx="2">
+                <a:schemeClr val="accent1">
+                  <a:shade val="50000"/>
+                </a:schemeClr>
+              </a:lnRef>
+              <a:fillRef idx="1">
+                <a:schemeClr val="accent1"/>
+              </a:fillRef>
+              <a:effectRef idx="0">
+                <a:schemeClr val="accent1"/>
+              </a:effectRef>
+              <a:fontRef idx="minor">
+                <a:schemeClr val="lt1"/>
+              </a:fontRef>
+            </p:style>
+            <p:txBody>
+              <a:bodyPr rtlCol="0" anchor="ctr"/>
+              <a:lstStyle/>
+              <a:p>
+                <a:pPr algn="ctr"/>
+                <a:endParaRPr lang="en-US"/>
+              </a:p>
+            </p:txBody>
+          </p:sp>
+          <p:sp>
+            <p:nvSpPr>
+              <p:cNvPr id="28" name="TextBox 27"/>
+              <p:cNvSpPr txBox="1"/>
+              <p:nvPr/>
+            </p:nvSpPr>
+            <p:spPr>
+              <a:xfrm>
+                <a:off x="3024984" y="1202849"/>
+                <a:ext cx="696216" cy="369332"/>
+              </a:xfrm>
+              <a:prstGeom prst="rect">
+                <a:avLst/>
+              </a:prstGeom>
+              <a:noFill/>
+            </p:spPr>
+            <p:txBody>
+              <a:bodyPr wrap="none" rtlCol="0">
+                <a:spAutoFit/>
+              </a:bodyPr>
+              <a:lstStyle/>
+              <a:p>
+                <a:r>
+                  <a:rPr lang="en-US" smtClean="0"/>
+                  <a:t>LSTM</a:t>
+                </a:r>
+              </a:p>
+            </p:txBody>
+          </p:sp>
+        </p:grpSp>
+        <p:grpSp>
+          <p:nvGrpSpPr>
+            <p:cNvPr id="2" name="Group 1"/>
+            <p:cNvGrpSpPr/>
+            <p:nvPr/>
+          </p:nvGrpSpPr>
+          <p:grpSpPr>
+            <a:xfrm>
+              <a:off x="7024760" y="904243"/>
+              <a:ext cx="1133515" cy="946934"/>
+              <a:chOff x="4867190" y="904243"/>
+              <a:chExt cx="1133515" cy="946934"/>
+            </a:xfrm>
+          </p:grpSpPr>
+          <p:sp>
+            <p:nvSpPr>
+              <p:cNvPr id="27" name="Rounded Rectangle 26"/>
+              <p:cNvSpPr/>
+              <p:nvPr/>
+            </p:nvSpPr>
+            <p:spPr>
+              <a:xfrm>
+                <a:off x="4867190" y="904243"/>
+                <a:ext cx="1133515" cy="946934"/>
+              </a:xfrm>
+              <a:prstGeom prst="roundRect">
+                <a:avLst/>
+              </a:prstGeom>
+              <a:noFill/>
+              <a:ln w="28575"/>
+            </p:spPr>
+            <p:style>
+              <a:lnRef idx="2">
+                <a:schemeClr val="accent1">
+                  <a:shade val="50000"/>
+                </a:schemeClr>
+              </a:lnRef>
+              <a:fillRef idx="1">
+                <a:schemeClr val="accent1"/>
+              </a:fillRef>
+              <a:effectRef idx="0">
+                <a:schemeClr val="accent1"/>
+              </a:effectRef>
+              <a:fontRef idx="minor">
+                <a:schemeClr val="lt1"/>
+              </a:fontRef>
+            </p:style>
+            <p:txBody>
+              <a:bodyPr rtlCol="0" anchor="ctr"/>
+              <a:lstStyle/>
+              <a:p>
+                <a:pPr algn="ctr"/>
+                <a:endParaRPr lang="en-US"/>
+              </a:p>
+            </p:txBody>
+          </p:sp>
+          <p:sp>
+            <p:nvSpPr>
+              <p:cNvPr id="29" name="TextBox 28"/>
+              <p:cNvSpPr txBox="1"/>
+              <p:nvPr/>
+            </p:nvSpPr>
+            <p:spPr>
+              <a:xfrm>
+                <a:off x="5064951" y="1193044"/>
+                <a:ext cx="696216" cy="369332"/>
+              </a:xfrm>
+              <a:prstGeom prst="rect">
+                <a:avLst/>
+              </a:prstGeom>
+              <a:noFill/>
+            </p:spPr>
+            <p:txBody>
+              <a:bodyPr wrap="none" rtlCol="0">
+                <a:spAutoFit/>
+              </a:bodyPr>
+              <a:lstStyle/>
+              <a:p>
+                <a:r>
+                  <a:rPr lang="en-US" dirty="0" smtClean="0"/>
+                  <a:t>LSTM</a:t>
+                </a:r>
+              </a:p>
+            </p:txBody>
+          </p:sp>
+        </p:grpSp>
+        <p:grpSp>
+          <p:nvGrpSpPr>
+            <p:cNvPr id="93" name="Group 92"/>
+            <p:cNvGrpSpPr/>
+            <p:nvPr/>
+          </p:nvGrpSpPr>
+          <p:grpSpPr>
+            <a:xfrm>
+              <a:off x="2777341" y="923970"/>
+              <a:ext cx="1133515" cy="946934"/>
+              <a:chOff x="2818473" y="904243"/>
+              <a:chExt cx="1133515" cy="946934"/>
+            </a:xfrm>
+          </p:grpSpPr>
+          <p:sp>
+            <p:nvSpPr>
+              <p:cNvPr id="97" name="Rounded Rectangle 96"/>
+              <p:cNvSpPr/>
+              <p:nvPr/>
+            </p:nvSpPr>
+            <p:spPr>
+              <a:xfrm>
+                <a:off x="2818473" y="904243"/>
+                <a:ext cx="1133515" cy="946934"/>
+              </a:xfrm>
+              <a:prstGeom prst="roundRect">
+                <a:avLst/>
+              </a:prstGeom>
+              <a:noFill/>
+              <a:ln w="28575"/>
+            </p:spPr>
+            <p:style>
+              <a:lnRef idx="2">
+                <a:schemeClr val="accent1">
+                  <a:shade val="50000"/>
+                </a:schemeClr>
+              </a:lnRef>
+              <a:fillRef idx="1">
+                <a:schemeClr val="accent1"/>
+              </a:fillRef>
+              <a:effectRef idx="0">
+                <a:schemeClr val="accent1"/>
+              </a:effectRef>
+              <a:fontRef idx="minor">
+                <a:schemeClr val="lt1"/>
+              </a:fontRef>
+            </p:style>
+            <p:txBody>
+              <a:bodyPr rtlCol="0" anchor="ctr"/>
+              <a:lstStyle/>
+              <a:p>
+                <a:pPr algn="ctr"/>
+                <a:endParaRPr lang="en-US"/>
+              </a:p>
+            </p:txBody>
+          </p:sp>
+          <p:sp>
+            <p:nvSpPr>
+              <p:cNvPr id="98" name="TextBox 97"/>
+              <p:cNvSpPr txBox="1"/>
+              <p:nvPr/>
+            </p:nvSpPr>
+            <p:spPr>
+              <a:xfrm>
+                <a:off x="3024984" y="1202849"/>
+                <a:ext cx="886974" cy="461665"/>
+              </a:xfrm>
+              <a:prstGeom prst="rect">
+                <a:avLst/>
+              </a:prstGeom>
+              <a:noFill/>
+            </p:spPr>
+            <p:txBody>
+              <a:bodyPr wrap="none" rtlCol="0">
+                <a:spAutoFit/>
+              </a:bodyPr>
+              <a:lstStyle/>
+              <a:p>
+                <a:r>
+                  <a:rPr lang="en-US" sz="1200" dirty="0" smtClean="0"/>
+                  <a:t>Word2Vec/</a:t>
+                </a:r>
+              </a:p>
+              <a:p>
+                <a:r>
+                  <a:rPr lang="en-US" sz="1200" dirty="0" smtClean="0"/>
+                  <a:t>Glove</a:t>
+                </a:r>
+                <a:endParaRPr lang="en-US" sz="1200" dirty="0" smtClean="0"/>
+              </a:p>
+            </p:txBody>
+          </p:sp>
+        </p:grpSp>
+        <p:cxnSp>
+          <p:nvCxnSpPr>
+            <p:cNvPr id="99" name="Straight Arrow Connector 98"/>
+            <p:cNvCxnSpPr/>
+            <p:nvPr/>
+          </p:nvCxnSpPr>
+          <p:spPr>
+            <a:xfrm>
+              <a:off x="4075127" y="1381991"/>
+              <a:ext cx="606175" cy="0"/>
+            </a:xfrm>
+            <a:prstGeom prst="straightConnector1">
+              <a:avLst/>
+            </a:prstGeom>
+            <a:ln w="38100">
+              <a:solidFill>
+                <a:schemeClr val="accent1"/>
+              </a:solidFill>
+              <a:tailEnd type="triangle"/>
+            </a:ln>
+          </p:spPr>
+          <p:style>
+            <a:lnRef idx="1">
+              <a:schemeClr val="accent1"/>
+            </a:lnRef>
+            <a:fillRef idx="0">
+              <a:schemeClr val="accent1"/>
+            </a:fillRef>
+            <a:effectRef idx="0">
+              <a:schemeClr val="accent1"/>
+            </a:effectRef>
+            <a:fontRef idx="minor">
+              <a:schemeClr val="tx1"/>
+            </a:fontRef>
+          </p:style>
+        </p:cxnSp>
+      </p:grpSp>
+      <p:grpSp>
+        <p:nvGrpSpPr>
+          <p:cNvPr id="100" name="Group 99"/>
+          <p:cNvGrpSpPr/>
+          <p:nvPr/>
+        </p:nvGrpSpPr>
+        <p:grpSpPr>
+          <a:xfrm>
+            <a:off x="1366463" y="2392081"/>
+            <a:ext cx="6791812" cy="966661"/>
+            <a:chOff x="1366463" y="904243"/>
+            <a:chExt cx="6791812" cy="966661"/>
+          </a:xfrm>
+        </p:grpSpPr>
+        <p:grpSp>
+          <p:nvGrpSpPr>
+            <p:cNvPr id="101" name="Group 100"/>
+            <p:cNvGrpSpPr/>
+            <p:nvPr/>
+          </p:nvGrpSpPr>
+          <p:grpSpPr>
+            <a:xfrm>
+              <a:off x="1366463" y="1060066"/>
+              <a:ext cx="1315092" cy="654125"/>
+              <a:chOff x="1438382" y="1027417"/>
+              <a:chExt cx="1315092" cy="654125"/>
+            </a:xfrm>
+          </p:grpSpPr>
+          <p:grpSp>
+            <p:nvGrpSpPr>
+              <p:cNvPr id="113" name="Group 112"/>
+              <p:cNvGrpSpPr/>
+              <p:nvPr/>
+            </p:nvGrpSpPr>
+            <p:grpSpPr>
+              <a:xfrm>
+                <a:off x="1438382" y="1027417"/>
+                <a:ext cx="534259" cy="654125"/>
+                <a:chOff x="1438382" y="1592494"/>
+                <a:chExt cx="534259" cy="654125"/>
+              </a:xfrm>
+            </p:grpSpPr>
+            <p:sp>
+              <p:nvSpPr>
+                <p:cNvPr id="115" name="Rectangle 114"/>
+                <p:cNvSpPr/>
+                <p:nvPr/>
+              </p:nvSpPr>
+              <p:spPr>
+                <a:xfrm>
+                  <a:off x="1438382" y="1592494"/>
+                  <a:ext cx="339047" cy="544531"/>
+                </a:xfrm>
+                <a:prstGeom prst="rect">
+                  <a:avLst/>
+                </a:prstGeom>
+              </p:spPr>
+              <p:style>
+                <a:lnRef idx="2">
+                  <a:schemeClr val="accent1">
+                    <a:shade val="50000"/>
+                  </a:schemeClr>
+                </a:lnRef>
+                <a:fillRef idx="1">
+                  <a:schemeClr val="accent1"/>
+                </a:fillRef>
+                <a:effectRef idx="0">
+                  <a:schemeClr val="accent1"/>
+                </a:effectRef>
+                <a:fontRef idx="minor">
+                  <a:schemeClr val="lt1"/>
+                </a:fontRef>
+              </p:style>
+              <p:txBody>
+                <a:bodyPr rtlCol="0" anchor="ctr"/>
+                <a:lstStyle/>
+                <a:p>
+                  <a:pPr algn="ctr"/>
+                  <a:endParaRPr lang="en-US"/>
+                </a:p>
+              </p:txBody>
+            </p:sp>
+            <p:sp>
+              <p:nvSpPr>
+                <p:cNvPr id="116" name="Rectangle 115"/>
+                <p:cNvSpPr/>
+                <p:nvPr/>
+              </p:nvSpPr>
+              <p:spPr>
+                <a:xfrm>
+                  <a:off x="1518864" y="1642154"/>
+                  <a:ext cx="339047" cy="544531"/>
+                </a:xfrm>
+                <a:prstGeom prst="rect">
+                  <a:avLst/>
+                </a:prstGeom>
+              </p:spPr>
+              <p:style>
+                <a:lnRef idx="2">
+                  <a:schemeClr val="accent1">
+                    <a:shade val="50000"/>
+                  </a:schemeClr>
+                </a:lnRef>
+                <a:fillRef idx="1">
+                  <a:schemeClr val="accent1"/>
+                </a:fillRef>
+                <a:effectRef idx="0">
+                  <a:schemeClr val="accent1"/>
+                </a:effectRef>
+                <a:fontRef idx="minor">
+                  <a:schemeClr val="lt1"/>
+                </a:fontRef>
+              </p:style>
+              <p:txBody>
+                <a:bodyPr rtlCol="0" anchor="ctr"/>
+                <a:lstStyle/>
+                <a:p>
+                  <a:pPr algn="ctr"/>
+                  <a:endParaRPr lang="en-US"/>
+                </a:p>
+              </p:txBody>
+            </p:sp>
+            <p:sp>
+              <p:nvSpPr>
+                <p:cNvPr id="117" name="Rectangle 116"/>
+                <p:cNvSpPr/>
+                <p:nvPr/>
+              </p:nvSpPr>
+              <p:spPr>
+                <a:xfrm>
+                  <a:off x="1633594" y="1702088"/>
+                  <a:ext cx="339047" cy="544531"/>
+                </a:xfrm>
+                <a:prstGeom prst="rect">
+                  <a:avLst/>
+                </a:prstGeom>
+              </p:spPr>
+              <p:style>
+                <a:lnRef idx="2">
+                  <a:schemeClr val="accent1">
+                    <a:shade val="50000"/>
+                  </a:schemeClr>
+                </a:lnRef>
+                <a:fillRef idx="1">
+                  <a:schemeClr val="accent1"/>
+                </a:fillRef>
+                <a:effectRef idx="0">
+                  <a:schemeClr val="accent1"/>
+                </a:effectRef>
+                <a:fontRef idx="minor">
+                  <a:schemeClr val="lt1"/>
+                </a:fontRef>
+              </p:style>
+              <p:txBody>
+                <a:bodyPr rtlCol="0" anchor="ctr"/>
+                <a:lstStyle/>
+                <a:p>
+                  <a:pPr algn="ctr"/>
+                  <a:endParaRPr lang="en-US"/>
+                </a:p>
+              </p:txBody>
+            </p:sp>
+          </p:grpSp>
+          <p:cxnSp>
+            <p:nvCxnSpPr>
+              <p:cNvPr id="114" name="Straight Arrow Connector 113"/>
+              <p:cNvCxnSpPr/>
+              <p:nvPr/>
+            </p:nvCxnSpPr>
+            <p:spPr>
+              <a:xfrm>
+                <a:off x="2147299" y="1349342"/>
+                <a:ext cx="606175" cy="0"/>
+              </a:xfrm>
+              <a:prstGeom prst="straightConnector1">
+                <a:avLst/>
+              </a:prstGeom>
+              <a:ln w="38100">
+                <a:solidFill>
+                  <a:schemeClr val="accent1"/>
+                </a:solidFill>
+                <a:tailEnd type="triangle"/>
+              </a:ln>
+            </p:spPr>
+            <p:style>
+              <a:lnRef idx="1">
+                <a:schemeClr val="accent1"/>
+              </a:lnRef>
+              <a:fillRef idx="0">
+                <a:schemeClr val="accent1"/>
+              </a:fillRef>
+              <a:effectRef idx="0">
+                <a:schemeClr val="accent1"/>
+              </a:effectRef>
+              <a:fontRef idx="minor">
+                <a:schemeClr val="tx1"/>
+              </a:fontRef>
+            </p:style>
+          </p:cxnSp>
+        </p:grpSp>
+        <p:cxnSp>
+          <p:nvCxnSpPr>
+            <p:cNvPr id="102" name="Straight Arrow Connector 101"/>
+            <p:cNvCxnSpPr/>
+            <p:nvPr/>
+          </p:nvCxnSpPr>
+          <p:spPr>
+            <a:xfrm>
+              <a:off x="6222422" y="1383352"/>
+              <a:ext cx="606175" cy="0"/>
+            </a:xfrm>
+            <a:prstGeom prst="straightConnector1">
+              <a:avLst/>
+            </a:prstGeom>
+            <a:ln w="38100">
+              <a:solidFill>
+                <a:schemeClr val="accent1"/>
+              </a:solidFill>
+              <a:tailEnd type="triangle"/>
+            </a:ln>
+          </p:spPr>
+          <p:style>
+            <a:lnRef idx="1">
+              <a:schemeClr val="accent1"/>
+            </a:lnRef>
+            <a:fillRef idx="0">
+              <a:schemeClr val="accent1"/>
+            </a:fillRef>
+            <a:effectRef idx="0">
+              <a:schemeClr val="accent1"/>
+            </a:effectRef>
+            <a:fontRef idx="minor">
+              <a:schemeClr val="tx1"/>
+            </a:fontRef>
+          </p:style>
+        </p:cxnSp>
+        <p:grpSp>
+          <p:nvGrpSpPr>
+            <p:cNvPr id="103" name="Group 102"/>
+            <p:cNvGrpSpPr/>
+            <p:nvPr/>
+          </p:nvGrpSpPr>
+          <p:grpSpPr>
+            <a:xfrm>
+              <a:off x="4893850" y="904243"/>
+              <a:ext cx="1133515" cy="946934"/>
+              <a:chOff x="2818473" y="904243"/>
+              <a:chExt cx="1133515" cy="946934"/>
+            </a:xfrm>
+          </p:grpSpPr>
+          <p:sp>
+            <p:nvSpPr>
+              <p:cNvPr id="111" name="Rounded Rectangle 110"/>
+              <p:cNvSpPr/>
+              <p:nvPr/>
+            </p:nvSpPr>
+            <p:spPr>
+              <a:xfrm>
+                <a:off x="2818473" y="904243"/>
+                <a:ext cx="1133515" cy="946934"/>
+              </a:xfrm>
+              <a:prstGeom prst="roundRect">
+                <a:avLst/>
+              </a:prstGeom>
+              <a:noFill/>
+              <a:ln w="28575"/>
+            </p:spPr>
+            <p:style>
+              <a:lnRef idx="2">
+                <a:schemeClr val="accent1">
+                  <a:shade val="50000"/>
+                </a:schemeClr>
+              </a:lnRef>
+              <a:fillRef idx="1">
+                <a:schemeClr val="accent1"/>
+              </a:fillRef>
+              <a:effectRef idx="0">
+                <a:schemeClr val="accent1"/>
+              </a:effectRef>
+              <a:fontRef idx="minor">
+                <a:schemeClr val="lt1"/>
+              </a:fontRef>
+            </p:style>
+            <p:txBody>
+              <a:bodyPr rtlCol="0" anchor="ctr"/>
+              <a:lstStyle/>
+              <a:p>
+                <a:pPr algn="ctr"/>
+                <a:endParaRPr lang="en-US"/>
+              </a:p>
+            </p:txBody>
+          </p:sp>
+          <p:sp>
+            <p:nvSpPr>
+              <p:cNvPr id="112" name="TextBox 111"/>
+              <p:cNvSpPr txBox="1"/>
+              <p:nvPr/>
+            </p:nvSpPr>
+            <p:spPr>
+              <a:xfrm>
+                <a:off x="3024984" y="1202849"/>
+                <a:ext cx="696216" cy="369332"/>
+              </a:xfrm>
+              <a:prstGeom prst="rect">
+                <a:avLst/>
+              </a:prstGeom>
+              <a:noFill/>
+            </p:spPr>
+            <p:txBody>
+              <a:bodyPr wrap="none" rtlCol="0">
+                <a:spAutoFit/>
+              </a:bodyPr>
+              <a:lstStyle/>
+              <a:p>
+                <a:r>
+                  <a:rPr lang="en-US" smtClean="0"/>
+                  <a:t>LSTM</a:t>
+                </a:r>
+              </a:p>
+            </p:txBody>
+          </p:sp>
+        </p:grpSp>
+        <p:grpSp>
+          <p:nvGrpSpPr>
+            <p:cNvPr id="104" name="Group 103"/>
+            <p:cNvGrpSpPr/>
+            <p:nvPr/>
+          </p:nvGrpSpPr>
+          <p:grpSpPr>
+            <a:xfrm>
+              <a:off x="7024760" y="904243"/>
+              <a:ext cx="1133515" cy="946934"/>
+              <a:chOff x="4867190" y="904243"/>
+              <a:chExt cx="1133515" cy="946934"/>
+            </a:xfrm>
+          </p:grpSpPr>
+          <p:sp>
+            <p:nvSpPr>
+              <p:cNvPr id="109" name="Rounded Rectangle 108"/>
+              <p:cNvSpPr/>
+              <p:nvPr/>
+            </p:nvSpPr>
+            <p:spPr>
+              <a:xfrm>
+                <a:off x="4867190" y="904243"/>
+                <a:ext cx="1133515" cy="946934"/>
+              </a:xfrm>
+              <a:prstGeom prst="roundRect">
+                <a:avLst/>
+              </a:prstGeom>
+              <a:noFill/>
+              <a:ln w="28575"/>
+            </p:spPr>
+            <p:style>
+              <a:lnRef idx="2">
+                <a:schemeClr val="accent1">
+                  <a:shade val="50000"/>
+                </a:schemeClr>
+              </a:lnRef>
+              <a:fillRef idx="1">
+                <a:schemeClr val="accent1"/>
+              </a:fillRef>
+              <a:effectRef idx="0">
+                <a:schemeClr val="accent1"/>
+              </a:effectRef>
+              <a:fontRef idx="minor">
+                <a:schemeClr val="lt1"/>
+              </a:fontRef>
+            </p:style>
+            <p:txBody>
+              <a:bodyPr rtlCol="0" anchor="ctr"/>
+              <a:lstStyle/>
+              <a:p>
+                <a:pPr algn="ctr"/>
+                <a:endParaRPr lang="en-US"/>
+              </a:p>
+            </p:txBody>
+          </p:sp>
+          <p:sp>
+            <p:nvSpPr>
+              <p:cNvPr id="110" name="TextBox 109"/>
+              <p:cNvSpPr txBox="1"/>
+              <p:nvPr/>
+            </p:nvSpPr>
+            <p:spPr>
+              <a:xfrm>
+                <a:off x="5064951" y="1193044"/>
+                <a:ext cx="696216" cy="369332"/>
+              </a:xfrm>
+              <a:prstGeom prst="rect">
+                <a:avLst/>
+              </a:prstGeom>
+              <a:noFill/>
+            </p:spPr>
+            <p:txBody>
+              <a:bodyPr wrap="none" rtlCol="0">
+                <a:spAutoFit/>
+              </a:bodyPr>
+              <a:lstStyle/>
+              <a:p>
+                <a:r>
+                  <a:rPr lang="en-US" dirty="0" smtClean="0"/>
+                  <a:t>LSTM</a:t>
+                </a:r>
+              </a:p>
+            </p:txBody>
+          </p:sp>
+        </p:grpSp>
+        <p:grpSp>
+          <p:nvGrpSpPr>
+            <p:cNvPr id="105" name="Group 104"/>
+            <p:cNvGrpSpPr/>
+            <p:nvPr/>
+          </p:nvGrpSpPr>
+          <p:grpSpPr>
+            <a:xfrm>
+              <a:off x="2777341" y="923970"/>
+              <a:ext cx="1133515" cy="946934"/>
+              <a:chOff x="2818473" y="904243"/>
+              <a:chExt cx="1133515" cy="946934"/>
+            </a:xfrm>
+          </p:grpSpPr>
+          <p:sp>
+            <p:nvSpPr>
+              <p:cNvPr id="107" name="Rounded Rectangle 106"/>
+              <p:cNvSpPr/>
+              <p:nvPr/>
+            </p:nvSpPr>
+            <p:spPr>
+              <a:xfrm>
+                <a:off x="2818473" y="904243"/>
+                <a:ext cx="1133515" cy="946934"/>
+              </a:xfrm>
+              <a:prstGeom prst="roundRect">
+                <a:avLst/>
+              </a:prstGeom>
+              <a:noFill/>
+              <a:ln w="28575"/>
+            </p:spPr>
+            <p:style>
+              <a:lnRef idx="2">
+                <a:schemeClr val="accent1">
+                  <a:shade val="50000"/>
+                </a:schemeClr>
+              </a:lnRef>
+              <a:fillRef idx="1">
+                <a:schemeClr val="accent1"/>
+              </a:fillRef>
+              <a:effectRef idx="0">
+                <a:schemeClr val="accent1"/>
+              </a:effectRef>
+              <a:fontRef idx="minor">
+                <a:schemeClr val="lt1"/>
+              </a:fontRef>
+            </p:style>
+            <p:txBody>
+              <a:bodyPr rtlCol="0" anchor="ctr"/>
+              <a:lstStyle/>
+              <a:p>
+                <a:pPr algn="ctr"/>
+                <a:endParaRPr lang="en-US"/>
+              </a:p>
+            </p:txBody>
+          </p:sp>
+          <p:sp>
+            <p:nvSpPr>
+              <p:cNvPr id="108" name="TextBox 107"/>
+              <p:cNvSpPr txBox="1"/>
+              <p:nvPr/>
+            </p:nvSpPr>
+            <p:spPr>
+              <a:xfrm>
+                <a:off x="3024984" y="1202849"/>
+                <a:ext cx="886974" cy="461665"/>
+              </a:xfrm>
+              <a:prstGeom prst="rect">
+                <a:avLst/>
+              </a:prstGeom>
+              <a:noFill/>
+            </p:spPr>
+            <p:txBody>
+              <a:bodyPr wrap="none" rtlCol="0">
+                <a:spAutoFit/>
+              </a:bodyPr>
+              <a:lstStyle/>
+              <a:p>
+                <a:r>
+                  <a:rPr lang="en-US" sz="1200" dirty="0" smtClean="0"/>
+                  <a:t>Word2Vec/</a:t>
+                </a:r>
+              </a:p>
+              <a:p>
+                <a:r>
+                  <a:rPr lang="en-US" sz="1200" dirty="0" smtClean="0"/>
+                  <a:t>Glove</a:t>
+                </a:r>
+                <a:endParaRPr lang="en-US" sz="1200" dirty="0" smtClean="0"/>
+              </a:p>
+            </p:txBody>
+          </p:sp>
+        </p:grpSp>
+        <p:cxnSp>
+          <p:nvCxnSpPr>
+            <p:cNvPr id="106" name="Straight Arrow Connector 105"/>
+            <p:cNvCxnSpPr/>
+            <p:nvPr/>
+          </p:nvCxnSpPr>
+          <p:spPr>
+            <a:xfrm>
+              <a:off x="4075127" y="1381991"/>
+              <a:ext cx="606175" cy="0"/>
+            </a:xfrm>
+            <a:prstGeom prst="straightConnector1">
+              <a:avLst/>
+            </a:prstGeom>
+            <a:ln w="38100">
+              <a:solidFill>
+                <a:schemeClr val="accent1"/>
+              </a:solidFill>
+              <a:tailEnd type="triangle"/>
+            </a:ln>
+          </p:spPr>
+          <p:style>
+            <a:lnRef idx="1">
+              <a:schemeClr val="accent1"/>
+            </a:lnRef>
+            <a:fillRef idx="0">
+              <a:schemeClr val="accent1"/>
+            </a:fillRef>
+            <a:effectRef idx="0">
+              <a:schemeClr val="accent1"/>
+            </a:effectRef>
+            <a:fontRef idx="minor">
+              <a:schemeClr val="tx1"/>
+            </a:fontRef>
+          </p:style>
+        </p:cxnSp>
+      </p:grpSp>
+      <p:grpSp>
+        <p:nvGrpSpPr>
+          <p:cNvPr id="118" name="Group 117"/>
+          <p:cNvGrpSpPr/>
+          <p:nvPr/>
+        </p:nvGrpSpPr>
+        <p:grpSpPr>
+          <a:xfrm>
+            <a:off x="1366463" y="4753779"/>
+            <a:ext cx="6791812" cy="966661"/>
+            <a:chOff x="1366463" y="904243"/>
+            <a:chExt cx="6791812" cy="966661"/>
+          </a:xfrm>
+        </p:grpSpPr>
+        <p:grpSp>
+          <p:nvGrpSpPr>
+            <p:cNvPr id="119" name="Group 118"/>
+            <p:cNvGrpSpPr/>
+            <p:nvPr/>
+          </p:nvGrpSpPr>
+          <p:grpSpPr>
+            <a:xfrm>
+              <a:off x="1366463" y="1060066"/>
+              <a:ext cx="1315092" cy="654125"/>
+              <a:chOff x="1438382" y="1027417"/>
+              <a:chExt cx="1315092" cy="654125"/>
+            </a:xfrm>
+          </p:grpSpPr>
+          <p:grpSp>
+            <p:nvGrpSpPr>
+              <p:cNvPr id="131" name="Group 130"/>
+              <p:cNvGrpSpPr/>
+              <p:nvPr/>
+            </p:nvGrpSpPr>
+            <p:grpSpPr>
+              <a:xfrm>
+                <a:off x="1438382" y="1027417"/>
+                <a:ext cx="534259" cy="654125"/>
+                <a:chOff x="1438382" y="1592494"/>
+                <a:chExt cx="534259" cy="654125"/>
+              </a:xfrm>
+            </p:grpSpPr>
+            <p:sp>
+              <p:nvSpPr>
+                <p:cNvPr id="133" name="Rectangle 132"/>
+                <p:cNvSpPr/>
+                <p:nvPr/>
+              </p:nvSpPr>
+              <p:spPr>
+                <a:xfrm>
+                  <a:off x="1438382" y="1592494"/>
+                  <a:ext cx="339047" cy="544531"/>
+                </a:xfrm>
+                <a:prstGeom prst="rect">
+                  <a:avLst/>
+                </a:prstGeom>
+              </p:spPr>
+              <p:style>
+                <a:lnRef idx="2">
+                  <a:schemeClr val="accent1">
+                    <a:shade val="50000"/>
+                  </a:schemeClr>
+                </a:lnRef>
+                <a:fillRef idx="1">
+                  <a:schemeClr val="accent1"/>
+                </a:fillRef>
+                <a:effectRef idx="0">
+                  <a:schemeClr val="accent1"/>
+                </a:effectRef>
+                <a:fontRef idx="minor">
+                  <a:schemeClr val="lt1"/>
+                </a:fontRef>
+              </p:style>
+              <p:txBody>
+                <a:bodyPr rtlCol="0" anchor="ctr"/>
+                <a:lstStyle/>
+                <a:p>
+                  <a:pPr algn="ctr"/>
+                  <a:endParaRPr lang="en-US"/>
+                </a:p>
+              </p:txBody>
+            </p:sp>
+            <p:sp>
+              <p:nvSpPr>
+                <p:cNvPr id="134" name="Rectangle 133"/>
+                <p:cNvSpPr/>
+                <p:nvPr/>
+              </p:nvSpPr>
+              <p:spPr>
+                <a:xfrm>
+                  <a:off x="1518864" y="1642154"/>
+                  <a:ext cx="339047" cy="544531"/>
+                </a:xfrm>
+                <a:prstGeom prst="rect">
+                  <a:avLst/>
+                </a:prstGeom>
+              </p:spPr>
+              <p:style>
+                <a:lnRef idx="2">
+                  <a:schemeClr val="accent1">
+                    <a:shade val="50000"/>
+                  </a:schemeClr>
+                </a:lnRef>
+                <a:fillRef idx="1">
+                  <a:schemeClr val="accent1"/>
+                </a:fillRef>
+                <a:effectRef idx="0">
+                  <a:schemeClr val="accent1"/>
+                </a:effectRef>
+                <a:fontRef idx="minor">
+                  <a:schemeClr val="lt1"/>
+                </a:fontRef>
+              </p:style>
+              <p:txBody>
+                <a:bodyPr rtlCol="0" anchor="ctr"/>
+                <a:lstStyle/>
+                <a:p>
+                  <a:pPr algn="ctr"/>
+                  <a:endParaRPr lang="en-US"/>
+                </a:p>
+              </p:txBody>
+            </p:sp>
+            <p:sp>
+              <p:nvSpPr>
+                <p:cNvPr id="135" name="Rectangle 134"/>
+                <p:cNvSpPr/>
+                <p:nvPr/>
+              </p:nvSpPr>
+              <p:spPr>
+                <a:xfrm>
+                  <a:off x="1633594" y="1702088"/>
+                  <a:ext cx="339047" cy="544531"/>
+                </a:xfrm>
+                <a:prstGeom prst="rect">
+                  <a:avLst/>
+                </a:prstGeom>
+              </p:spPr>
+              <p:style>
+                <a:lnRef idx="2">
+                  <a:schemeClr val="accent1">
+                    <a:shade val="50000"/>
+                  </a:schemeClr>
+                </a:lnRef>
+                <a:fillRef idx="1">
+                  <a:schemeClr val="accent1"/>
+                </a:fillRef>
+                <a:effectRef idx="0">
+                  <a:schemeClr val="accent1"/>
+                </a:effectRef>
+                <a:fontRef idx="minor">
+                  <a:schemeClr val="lt1"/>
+                </a:fontRef>
+              </p:style>
+              <p:txBody>
+                <a:bodyPr rtlCol="0" anchor="ctr"/>
+                <a:lstStyle/>
+                <a:p>
+                  <a:pPr algn="ctr"/>
+                  <a:endParaRPr lang="en-US"/>
+                </a:p>
+              </p:txBody>
+            </p:sp>
+          </p:grpSp>
+          <p:cxnSp>
+            <p:nvCxnSpPr>
+              <p:cNvPr id="132" name="Straight Arrow Connector 131"/>
+              <p:cNvCxnSpPr/>
+              <p:nvPr/>
+            </p:nvCxnSpPr>
+            <p:spPr>
+              <a:xfrm>
+                <a:off x="2147299" y="1349342"/>
+                <a:ext cx="606175" cy="0"/>
+              </a:xfrm>
+              <a:prstGeom prst="straightConnector1">
+                <a:avLst/>
+              </a:prstGeom>
+              <a:ln w="38100">
+                <a:solidFill>
+                  <a:schemeClr val="accent1"/>
+                </a:solidFill>
+                <a:tailEnd type="triangle"/>
+              </a:ln>
+            </p:spPr>
+            <p:style>
+              <a:lnRef idx="1">
+                <a:schemeClr val="accent1"/>
+              </a:lnRef>
+              <a:fillRef idx="0">
+                <a:schemeClr val="accent1"/>
+              </a:fillRef>
+              <a:effectRef idx="0">
+                <a:schemeClr val="accent1"/>
+              </a:effectRef>
+              <a:fontRef idx="minor">
+                <a:schemeClr val="tx1"/>
+              </a:fontRef>
+            </p:style>
+          </p:cxnSp>
+        </p:grpSp>
+        <p:cxnSp>
+          <p:nvCxnSpPr>
+            <p:cNvPr id="120" name="Straight Arrow Connector 119"/>
+            <p:cNvCxnSpPr/>
+            <p:nvPr/>
+          </p:nvCxnSpPr>
+          <p:spPr>
+            <a:xfrm>
+              <a:off x="6222422" y="1383352"/>
+              <a:ext cx="606175" cy="0"/>
+            </a:xfrm>
+            <a:prstGeom prst="straightConnector1">
+              <a:avLst/>
+            </a:prstGeom>
+            <a:ln w="38100">
+              <a:solidFill>
+                <a:schemeClr val="accent1"/>
+              </a:solidFill>
+              <a:tailEnd type="triangle"/>
+            </a:ln>
+          </p:spPr>
+          <p:style>
+            <a:lnRef idx="1">
+              <a:schemeClr val="accent1"/>
+            </a:lnRef>
+            <a:fillRef idx="0">
+              <a:schemeClr val="accent1"/>
+            </a:fillRef>
+            <a:effectRef idx="0">
+              <a:schemeClr val="accent1"/>
+            </a:effectRef>
+            <a:fontRef idx="minor">
+              <a:schemeClr val="tx1"/>
+            </a:fontRef>
+          </p:style>
+        </p:cxnSp>
+        <p:grpSp>
+          <p:nvGrpSpPr>
+            <p:cNvPr id="121" name="Group 120"/>
+            <p:cNvGrpSpPr/>
+            <p:nvPr/>
+          </p:nvGrpSpPr>
+          <p:grpSpPr>
+            <a:xfrm>
+              <a:off x="4893850" y="904243"/>
+              <a:ext cx="1133515" cy="946934"/>
+              <a:chOff x="2818473" y="904243"/>
+              <a:chExt cx="1133515" cy="946934"/>
+            </a:xfrm>
+          </p:grpSpPr>
+          <p:sp>
+            <p:nvSpPr>
+              <p:cNvPr id="129" name="Rounded Rectangle 128"/>
+              <p:cNvSpPr/>
+              <p:nvPr/>
+            </p:nvSpPr>
+            <p:spPr>
+              <a:xfrm>
+                <a:off x="2818473" y="904243"/>
+                <a:ext cx="1133515" cy="946934"/>
+              </a:xfrm>
+              <a:prstGeom prst="roundRect">
+                <a:avLst/>
+              </a:prstGeom>
+              <a:noFill/>
+              <a:ln w="28575"/>
+            </p:spPr>
+            <p:style>
+              <a:lnRef idx="2">
+                <a:schemeClr val="accent1">
+                  <a:shade val="50000"/>
+                </a:schemeClr>
+              </a:lnRef>
+              <a:fillRef idx="1">
+                <a:schemeClr val="accent1"/>
+              </a:fillRef>
+              <a:effectRef idx="0">
+                <a:schemeClr val="accent1"/>
+              </a:effectRef>
+              <a:fontRef idx="minor">
+                <a:schemeClr val="lt1"/>
+              </a:fontRef>
+            </p:style>
+            <p:txBody>
+              <a:bodyPr rtlCol="0" anchor="ctr"/>
+              <a:lstStyle/>
+              <a:p>
+                <a:pPr algn="ctr"/>
+                <a:endParaRPr lang="en-US"/>
+              </a:p>
+            </p:txBody>
+          </p:sp>
+          <p:sp>
+            <p:nvSpPr>
+              <p:cNvPr id="130" name="TextBox 129"/>
+              <p:cNvSpPr txBox="1"/>
+              <p:nvPr/>
+            </p:nvSpPr>
+            <p:spPr>
+              <a:xfrm>
+                <a:off x="3024984" y="1202849"/>
+                <a:ext cx="696216" cy="369332"/>
+              </a:xfrm>
+              <a:prstGeom prst="rect">
+                <a:avLst/>
+              </a:prstGeom>
+              <a:noFill/>
+            </p:spPr>
+            <p:txBody>
+              <a:bodyPr wrap="none" rtlCol="0">
+                <a:spAutoFit/>
+              </a:bodyPr>
+              <a:lstStyle/>
+              <a:p>
+                <a:r>
+                  <a:rPr lang="en-US" smtClean="0"/>
+                  <a:t>LSTM</a:t>
+                </a:r>
+              </a:p>
+            </p:txBody>
+          </p:sp>
+        </p:grpSp>
+        <p:grpSp>
+          <p:nvGrpSpPr>
+            <p:cNvPr id="122" name="Group 121"/>
+            <p:cNvGrpSpPr/>
+            <p:nvPr/>
+          </p:nvGrpSpPr>
+          <p:grpSpPr>
+            <a:xfrm>
+              <a:off x="7024760" y="904243"/>
+              <a:ext cx="1133515" cy="946934"/>
+              <a:chOff x="4867190" y="904243"/>
+              <a:chExt cx="1133515" cy="946934"/>
+            </a:xfrm>
+          </p:grpSpPr>
+          <p:sp>
+            <p:nvSpPr>
+              <p:cNvPr id="127" name="Rounded Rectangle 126"/>
+              <p:cNvSpPr/>
+              <p:nvPr/>
+            </p:nvSpPr>
+            <p:spPr>
+              <a:xfrm>
+                <a:off x="4867190" y="904243"/>
+                <a:ext cx="1133515" cy="946934"/>
+              </a:xfrm>
+              <a:prstGeom prst="roundRect">
+                <a:avLst/>
+              </a:prstGeom>
+              <a:noFill/>
+              <a:ln w="28575"/>
+            </p:spPr>
+            <p:style>
+              <a:lnRef idx="2">
+                <a:schemeClr val="accent1">
+                  <a:shade val="50000"/>
+                </a:schemeClr>
+              </a:lnRef>
+              <a:fillRef idx="1">
+                <a:schemeClr val="accent1"/>
+              </a:fillRef>
+              <a:effectRef idx="0">
+                <a:schemeClr val="accent1"/>
+              </a:effectRef>
+              <a:fontRef idx="minor">
+                <a:schemeClr val="lt1"/>
+              </a:fontRef>
+            </p:style>
+            <p:txBody>
+              <a:bodyPr rtlCol="0" anchor="ctr"/>
+              <a:lstStyle/>
+              <a:p>
+                <a:pPr algn="ctr"/>
+                <a:endParaRPr lang="en-US"/>
+              </a:p>
+            </p:txBody>
+          </p:sp>
+          <p:sp>
+            <p:nvSpPr>
+              <p:cNvPr id="128" name="TextBox 127"/>
+              <p:cNvSpPr txBox="1"/>
+              <p:nvPr/>
+            </p:nvSpPr>
+            <p:spPr>
+              <a:xfrm>
+                <a:off x="5064951" y="1193044"/>
+                <a:ext cx="696216" cy="369332"/>
+              </a:xfrm>
+              <a:prstGeom prst="rect">
+                <a:avLst/>
+              </a:prstGeom>
+              <a:noFill/>
+            </p:spPr>
+            <p:txBody>
+              <a:bodyPr wrap="none" rtlCol="0">
+                <a:spAutoFit/>
+              </a:bodyPr>
+              <a:lstStyle/>
+              <a:p>
+                <a:r>
+                  <a:rPr lang="en-US" dirty="0" smtClean="0"/>
+                  <a:t>LSTM</a:t>
+                </a:r>
+              </a:p>
+            </p:txBody>
+          </p:sp>
+        </p:grpSp>
+        <p:grpSp>
+          <p:nvGrpSpPr>
+            <p:cNvPr id="123" name="Group 122"/>
+            <p:cNvGrpSpPr/>
+            <p:nvPr/>
+          </p:nvGrpSpPr>
+          <p:grpSpPr>
+            <a:xfrm>
+              <a:off x="2777341" y="923970"/>
+              <a:ext cx="1133515" cy="946934"/>
+              <a:chOff x="2818473" y="904243"/>
+              <a:chExt cx="1133515" cy="946934"/>
+            </a:xfrm>
+          </p:grpSpPr>
+          <p:sp>
+            <p:nvSpPr>
+              <p:cNvPr id="125" name="Rounded Rectangle 124"/>
+              <p:cNvSpPr/>
+              <p:nvPr/>
+            </p:nvSpPr>
+            <p:spPr>
+              <a:xfrm>
+                <a:off x="2818473" y="904243"/>
+                <a:ext cx="1133515" cy="946934"/>
+              </a:xfrm>
+              <a:prstGeom prst="roundRect">
+                <a:avLst/>
+              </a:prstGeom>
+              <a:noFill/>
+              <a:ln w="28575"/>
+            </p:spPr>
+            <p:style>
+              <a:lnRef idx="2">
+                <a:schemeClr val="accent1">
+                  <a:shade val="50000"/>
+                </a:schemeClr>
+              </a:lnRef>
+              <a:fillRef idx="1">
+                <a:schemeClr val="accent1"/>
+              </a:fillRef>
+              <a:effectRef idx="0">
+                <a:schemeClr val="accent1"/>
+              </a:effectRef>
+              <a:fontRef idx="minor">
+                <a:schemeClr val="lt1"/>
+              </a:fontRef>
+            </p:style>
+            <p:txBody>
+              <a:bodyPr rtlCol="0" anchor="ctr"/>
+              <a:lstStyle/>
+              <a:p>
+                <a:pPr algn="ctr"/>
+                <a:endParaRPr lang="en-US"/>
+              </a:p>
+            </p:txBody>
+          </p:sp>
+          <p:sp>
+            <p:nvSpPr>
+              <p:cNvPr id="126" name="TextBox 125"/>
+              <p:cNvSpPr txBox="1"/>
+              <p:nvPr/>
+            </p:nvSpPr>
+            <p:spPr>
+              <a:xfrm>
+                <a:off x="3024984" y="1202849"/>
+                <a:ext cx="886974" cy="461665"/>
+              </a:xfrm>
+              <a:prstGeom prst="rect">
+                <a:avLst/>
+              </a:prstGeom>
+              <a:noFill/>
+            </p:spPr>
+            <p:txBody>
+              <a:bodyPr wrap="none" rtlCol="0">
+                <a:spAutoFit/>
+              </a:bodyPr>
+              <a:lstStyle/>
+              <a:p>
+                <a:r>
+                  <a:rPr lang="en-US" sz="1200" dirty="0" smtClean="0"/>
+                  <a:t>Word2Vec/</a:t>
+                </a:r>
+              </a:p>
+              <a:p>
+                <a:r>
+                  <a:rPr lang="en-US" sz="1200" dirty="0" smtClean="0"/>
+                  <a:t>Glove</a:t>
+                </a:r>
+                <a:endParaRPr lang="en-US" sz="1200" dirty="0" smtClean="0"/>
+              </a:p>
+            </p:txBody>
+          </p:sp>
+        </p:grpSp>
+        <p:cxnSp>
+          <p:nvCxnSpPr>
+            <p:cNvPr id="124" name="Straight Arrow Connector 123"/>
+            <p:cNvCxnSpPr/>
+            <p:nvPr/>
+          </p:nvCxnSpPr>
+          <p:spPr>
+            <a:xfrm>
+              <a:off x="4075127" y="1381991"/>
+              <a:ext cx="606175" cy="0"/>
+            </a:xfrm>
+            <a:prstGeom prst="straightConnector1">
+              <a:avLst/>
+            </a:prstGeom>
+            <a:ln w="38100">
+              <a:solidFill>
+                <a:schemeClr val="accent1"/>
+              </a:solidFill>
+              <a:tailEnd type="triangle"/>
+            </a:ln>
+          </p:spPr>
+          <p:style>
+            <a:lnRef idx="1">
+              <a:schemeClr val="accent1"/>
+            </a:lnRef>
+            <a:fillRef idx="0">
+              <a:schemeClr val="accent1"/>
+            </a:fillRef>
+            <a:effectRef idx="0">
+              <a:schemeClr val="accent1"/>
+            </a:effectRef>
+            <a:fontRef idx="minor">
+              <a:schemeClr val="tx1"/>
+            </a:fontRef>
+          </p:style>
+        </p:cxnSp>
+      </p:grpSp>
+      <p:sp>
+        <p:nvSpPr>
+          <p:cNvPr id="138" name="TextBox 137"/>
+          <p:cNvSpPr txBox="1"/>
+          <p:nvPr/>
+        </p:nvSpPr>
+        <p:spPr>
+          <a:xfrm rot="5400000">
+            <a:off x="7494104" y="3834875"/>
+            <a:ext cx="433132" cy="523220"/>
+          </a:xfrm>
+          <a:prstGeom prst="rect">
+            <a:avLst/>
+          </a:prstGeom>
+          <a:noFill/>
+        </p:spPr>
+        <p:txBody>
+          <a:bodyPr wrap="none" rtlCol="0">
+            <a:spAutoFit/>
+          </a:bodyPr>
+          <a:lstStyle/>
+          <a:p>
+            <a:r>
+              <a:rPr lang="mr-IN" sz="2800" smtClean="0"/>
+              <a:t>…</a:t>
+            </a:r>
+            <a:endParaRPr lang="en-US" sz="2800" dirty="0"/>
+          </a:p>
+        </p:txBody>
+      </p:sp>
+      <p:cxnSp>
+        <p:nvCxnSpPr>
+          <p:cNvPr id="139" name="Straight Arrow Connector 138"/>
+          <p:cNvCxnSpPr/>
+          <p:nvPr/>
+        </p:nvCxnSpPr>
+        <p:spPr>
+          <a:xfrm flipH="1">
+            <a:off x="7611475" y="4335615"/>
+            <a:ext cx="289" cy="418164"/>
+          </a:xfrm>
+          <a:prstGeom prst="straightConnector1">
+            <a:avLst/>
+          </a:prstGeom>
+          <a:ln w="38100">
+            <a:solidFill>
+              <a:schemeClr val="accent1"/>
+            </a:solidFill>
+            <a:tailEnd type="triangle"/>
+          </a:ln>
+        </p:spPr>
+        <p:style>
+          <a:lnRef idx="1">
+            <a:schemeClr val="accent1"/>
+          </a:lnRef>
+          <a:fillRef idx="0">
+            <a:schemeClr val="accent1"/>
+          </a:fillRef>
+          <a:effectRef idx="0">
+            <a:schemeClr val="accent1"/>
+          </a:effectRef>
+          <a:fontRef idx="minor">
+            <a:schemeClr val="tx1"/>
+          </a:fontRef>
+        </p:style>
+      </p:cxnSp>
+    </p:spTree>
+    <p:extLst>
+      <p:ext uri="{BB962C8B-B14F-4D97-AF65-F5344CB8AC3E}">
+        <p14:creationId xmlns:p14="http://schemas.microsoft.com/office/powerpoint/2010/main" val="1066755961"/>
+      </p:ext>
+    </p:extLst>
+  </p:cSld>
+  <p:clrMapOvr>
+    <a:masterClrMapping/>
+  </p:clrMapOvr>
+</p:sld>
+</file>
+
 <file path=ppt/theme/theme1.xml><?xml version="1.0" encoding="utf-8"?>
 <a:theme xmlns:a="http://schemas.openxmlformats.org/drawingml/2006/main" name="Office Theme">
   <a:themeElements>

--- a/precursor-identification.pptx
+++ b/precursor-identification.pptx
@@ -4,6 +4,9 @@
   <p:sldMasterIdLst>
     <p:sldMasterId id="2147483648" r:id="rId1"/>
   </p:sldMasterIdLst>
+  <p:notesMasterIdLst>
+    <p:notesMasterId r:id="rId6"/>
+  </p:notesMasterIdLst>
   <p:sldIdLst>
     <p:sldId id="256" r:id="rId2"/>
     <p:sldId id="257" r:id="rId3"/>
@@ -113,6 +116,456 @@
     </p:ext>
   </p:extLst>
 </p:presentation>
+</file>
+
+<file path=ppt/notesMasters/notesMaster1.xml><?xml version="1.0" encoding="utf-8"?>
+<p:notesMaster xmlns:a="http://schemas.openxmlformats.org/drawingml/2006/main" xmlns:r="http://schemas.openxmlformats.org/officeDocument/2006/relationships" xmlns:p="http://schemas.openxmlformats.org/presentationml/2006/main">
+  <p:cSld>
+    <p:bg>
+      <p:bgRef idx="1001">
+        <a:schemeClr val="bg1"/>
+      </p:bgRef>
+    </p:bg>
+    <p:spTree>
+      <p:nvGrpSpPr>
+        <p:cNvPr id="1" name=""/>
+        <p:cNvGrpSpPr/>
+        <p:nvPr/>
+      </p:nvGrpSpPr>
+      <p:grpSpPr>
+        <a:xfrm>
+          <a:off x="0" y="0"/>
+          <a:ext cx="0" cy="0"/>
+          <a:chOff x="0" y="0"/>
+          <a:chExt cx="0" cy="0"/>
+        </a:xfrm>
+      </p:grpSpPr>
+      <p:sp>
+        <p:nvSpPr>
+          <p:cNvPr id="2" name="Header Placeholder 1"/>
+          <p:cNvSpPr>
+            <a:spLocks noGrp="1"/>
+          </p:cNvSpPr>
+          <p:nvPr>
+            <p:ph type="hdr" sz="quarter"/>
+          </p:nvPr>
+        </p:nvSpPr>
+        <p:spPr>
+          <a:xfrm>
+            <a:off x="0" y="0"/>
+            <a:ext cx="2971800" cy="458788"/>
+          </a:xfrm>
+          <a:prstGeom prst="rect">
+            <a:avLst/>
+          </a:prstGeom>
+        </p:spPr>
+        <p:txBody>
+          <a:bodyPr vert="horz" lIns="91440" tIns="45720" rIns="91440" bIns="45720" rtlCol="0"/>
+          <a:lstStyle>
+            <a:lvl1pPr algn="l">
+              <a:defRPr sz="1200"/>
+            </a:lvl1pPr>
+          </a:lstStyle>
+          <a:p>
+            <a:endParaRPr lang="en-US"/>
+          </a:p>
+        </p:txBody>
+      </p:sp>
+      <p:sp>
+        <p:nvSpPr>
+          <p:cNvPr id="3" name="Date Placeholder 2"/>
+          <p:cNvSpPr>
+            <a:spLocks noGrp="1"/>
+          </p:cNvSpPr>
+          <p:nvPr>
+            <p:ph type="dt" idx="1"/>
+          </p:nvPr>
+        </p:nvSpPr>
+        <p:spPr>
+          <a:xfrm>
+            <a:off x="3884613" y="0"/>
+            <a:ext cx="2971800" cy="458788"/>
+          </a:xfrm>
+          <a:prstGeom prst="rect">
+            <a:avLst/>
+          </a:prstGeom>
+        </p:spPr>
+        <p:txBody>
+          <a:bodyPr vert="horz" lIns="91440" tIns="45720" rIns="91440" bIns="45720" rtlCol="0"/>
+          <a:lstStyle>
+            <a:lvl1pPr algn="r">
+              <a:defRPr sz="1200"/>
+            </a:lvl1pPr>
+          </a:lstStyle>
+          <a:p>
+            <a:fld id="{F4788A3C-F8A1-A54D-9973-BE74B1A09D91}" type="datetimeFigureOut">
+              <a:rPr lang="en-US" smtClean="0"/>
+              <a:t>8/23/17</a:t>
+            </a:fld>
+            <a:endParaRPr lang="en-US"/>
+          </a:p>
+        </p:txBody>
+      </p:sp>
+      <p:sp>
+        <p:nvSpPr>
+          <p:cNvPr id="4" name="Slide Image Placeholder 3"/>
+          <p:cNvSpPr>
+            <a:spLocks noGrp="1" noRot="1" noChangeAspect="1"/>
+          </p:cNvSpPr>
+          <p:nvPr>
+            <p:ph type="sldImg" idx="2"/>
+          </p:nvPr>
+        </p:nvSpPr>
+        <p:spPr>
+          <a:xfrm>
+            <a:off x="685800" y="1143000"/>
+            <a:ext cx="5486400" cy="3086100"/>
+          </a:xfrm>
+          <a:prstGeom prst="rect">
+            <a:avLst/>
+          </a:prstGeom>
+          <a:noFill/>
+          <a:ln w="12700">
+            <a:solidFill>
+              <a:prstClr val="black"/>
+            </a:solidFill>
+          </a:ln>
+        </p:spPr>
+        <p:txBody>
+          <a:bodyPr vert="horz" lIns="91440" tIns="45720" rIns="91440" bIns="45720" rtlCol="0" anchor="ctr"/>
+          <a:lstStyle/>
+          <a:p>
+            <a:endParaRPr lang="en-US"/>
+          </a:p>
+        </p:txBody>
+      </p:sp>
+      <p:sp>
+        <p:nvSpPr>
+          <p:cNvPr id="5" name="Notes Placeholder 4"/>
+          <p:cNvSpPr>
+            <a:spLocks noGrp="1"/>
+          </p:cNvSpPr>
+          <p:nvPr>
+            <p:ph type="body" sz="quarter" idx="3"/>
+          </p:nvPr>
+        </p:nvSpPr>
+        <p:spPr>
+          <a:xfrm>
+            <a:off x="685800" y="4400550"/>
+            <a:ext cx="5486400" cy="3600450"/>
+          </a:xfrm>
+          <a:prstGeom prst="rect">
+            <a:avLst/>
+          </a:prstGeom>
+        </p:spPr>
+        <p:txBody>
+          <a:bodyPr vert="horz" lIns="91440" tIns="45720" rIns="91440" bIns="45720" rtlCol="0"/>
+          <a:lstStyle/>
+          <a:p>
+            <a:pPr lvl="0"/>
+            <a:r>
+              <a:rPr lang="en-US" smtClean="0"/>
+              <a:t>Click to edit Master text styles</a:t>
+            </a:r>
+          </a:p>
+          <a:p>
+            <a:pPr lvl="1"/>
+            <a:r>
+              <a:rPr lang="en-US" smtClean="0"/>
+              <a:t>Second level</a:t>
+            </a:r>
+          </a:p>
+          <a:p>
+            <a:pPr lvl="2"/>
+            <a:r>
+              <a:rPr lang="en-US" smtClean="0"/>
+              <a:t>Third level</a:t>
+            </a:r>
+          </a:p>
+          <a:p>
+            <a:pPr lvl="3"/>
+            <a:r>
+              <a:rPr lang="en-US" smtClean="0"/>
+              <a:t>Fourth level</a:t>
+            </a:r>
+          </a:p>
+          <a:p>
+            <a:pPr lvl="4"/>
+            <a:r>
+              <a:rPr lang="en-US" smtClean="0"/>
+              <a:t>Fifth level</a:t>
+            </a:r>
+            <a:endParaRPr lang="en-US"/>
+          </a:p>
+        </p:txBody>
+      </p:sp>
+      <p:sp>
+        <p:nvSpPr>
+          <p:cNvPr id="6" name="Footer Placeholder 5"/>
+          <p:cNvSpPr>
+            <a:spLocks noGrp="1"/>
+          </p:cNvSpPr>
+          <p:nvPr>
+            <p:ph type="ftr" sz="quarter" idx="4"/>
+          </p:nvPr>
+        </p:nvSpPr>
+        <p:spPr>
+          <a:xfrm>
+            <a:off x="0" y="8685213"/>
+            <a:ext cx="2971800" cy="458787"/>
+          </a:xfrm>
+          <a:prstGeom prst="rect">
+            <a:avLst/>
+          </a:prstGeom>
+        </p:spPr>
+        <p:txBody>
+          <a:bodyPr vert="horz" lIns="91440" tIns="45720" rIns="91440" bIns="45720" rtlCol="0" anchor="b"/>
+          <a:lstStyle>
+            <a:lvl1pPr algn="l">
+              <a:defRPr sz="1200"/>
+            </a:lvl1pPr>
+          </a:lstStyle>
+          <a:p>
+            <a:endParaRPr lang="en-US"/>
+          </a:p>
+        </p:txBody>
+      </p:sp>
+      <p:sp>
+        <p:nvSpPr>
+          <p:cNvPr id="7" name="Slide Number Placeholder 6"/>
+          <p:cNvSpPr>
+            <a:spLocks noGrp="1"/>
+          </p:cNvSpPr>
+          <p:nvPr>
+            <p:ph type="sldNum" sz="quarter" idx="5"/>
+          </p:nvPr>
+        </p:nvSpPr>
+        <p:spPr>
+          <a:xfrm>
+            <a:off x="3884613" y="8685213"/>
+            <a:ext cx="2971800" cy="458787"/>
+          </a:xfrm>
+          <a:prstGeom prst="rect">
+            <a:avLst/>
+          </a:prstGeom>
+        </p:spPr>
+        <p:txBody>
+          <a:bodyPr vert="horz" lIns="91440" tIns="45720" rIns="91440" bIns="45720" rtlCol="0" anchor="b"/>
+          <a:lstStyle>
+            <a:lvl1pPr algn="r">
+              <a:defRPr sz="1200"/>
+            </a:lvl1pPr>
+          </a:lstStyle>
+          <a:p>
+            <a:fld id="{F234985F-FB93-9740-9B23-431FDD357FFA}" type="slidenum">
+              <a:rPr lang="en-US" smtClean="0"/>
+              <a:t>‹#›</a:t>
+            </a:fld>
+            <a:endParaRPr lang="en-US"/>
+          </a:p>
+        </p:txBody>
+      </p:sp>
+    </p:spTree>
+    <p:extLst>
+      <p:ext uri="{BB962C8B-B14F-4D97-AF65-F5344CB8AC3E}">
+        <p14:creationId xmlns:p14="http://schemas.microsoft.com/office/powerpoint/2010/main" val="2003897411"/>
+      </p:ext>
+    </p:extLst>
+  </p:cSld>
+  <p:clrMap bg1="lt1" tx1="dk1" bg2="lt2" tx2="dk2" accent1="accent1" accent2="accent2" accent3="accent3" accent4="accent4" accent5="accent5" accent6="accent6" hlink="hlink" folHlink="folHlink"/>
+  <p:notesStyle>
+    <a:lvl1pPr marL="0" algn="l" defTabSz="914400" rtl="0" eaLnBrk="1" latinLnBrk="0" hangingPunct="1">
+      <a:defRPr sz="1200" kern="1200">
+        <a:solidFill>
+          <a:schemeClr val="tx1"/>
+        </a:solidFill>
+        <a:latin typeface="+mn-lt"/>
+        <a:ea typeface="+mn-ea"/>
+        <a:cs typeface="+mn-cs"/>
+      </a:defRPr>
+    </a:lvl1pPr>
+    <a:lvl2pPr marL="457200" algn="l" defTabSz="914400" rtl="0" eaLnBrk="1" latinLnBrk="0" hangingPunct="1">
+      <a:defRPr sz="1200" kern="1200">
+        <a:solidFill>
+          <a:schemeClr val="tx1"/>
+        </a:solidFill>
+        <a:latin typeface="+mn-lt"/>
+        <a:ea typeface="+mn-ea"/>
+        <a:cs typeface="+mn-cs"/>
+      </a:defRPr>
+    </a:lvl2pPr>
+    <a:lvl3pPr marL="914400" algn="l" defTabSz="914400" rtl="0" eaLnBrk="1" latinLnBrk="0" hangingPunct="1">
+      <a:defRPr sz="1200" kern="1200">
+        <a:solidFill>
+          <a:schemeClr val="tx1"/>
+        </a:solidFill>
+        <a:latin typeface="+mn-lt"/>
+        <a:ea typeface="+mn-ea"/>
+        <a:cs typeface="+mn-cs"/>
+      </a:defRPr>
+    </a:lvl3pPr>
+    <a:lvl4pPr marL="1371600" algn="l" defTabSz="914400" rtl="0" eaLnBrk="1" latinLnBrk="0" hangingPunct="1">
+      <a:defRPr sz="1200" kern="1200">
+        <a:solidFill>
+          <a:schemeClr val="tx1"/>
+        </a:solidFill>
+        <a:latin typeface="+mn-lt"/>
+        <a:ea typeface="+mn-ea"/>
+        <a:cs typeface="+mn-cs"/>
+      </a:defRPr>
+    </a:lvl4pPr>
+    <a:lvl5pPr marL="1828800" algn="l" defTabSz="914400" rtl="0" eaLnBrk="1" latinLnBrk="0" hangingPunct="1">
+      <a:defRPr sz="1200" kern="1200">
+        <a:solidFill>
+          <a:schemeClr val="tx1"/>
+        </a:solidFill>
+        <a:latin typeface="+mn-lt"/>
+        <a:ea typeface="+mn-ea"/>
+        <a:cs typeface="+mn-cs"/>
+      </a:defRPr>
+    </a:lvl5pPr>
+    <a:lvl6pPr marL="2286000" algn="l" defTabSz="914400" rtl="0" eaLnBrk="1" latinLnBrk="0" hangingPunct="1">
+      <a:defRPr sz="1200" kern="1200">
+        <a:solidFill>
+          <a:schemeClr val="tx1"/>
+        </a:solidFill>
+        <a:latin typeface="+mn-lt"/>
+        <a:ea typeface="+mn-ea"/>
+        <a:cs typeface="+mn-cs"/>
+      </a:defRPr>
+    </a:lvl6pPr>
+    <a:lvl7pPr marL="2743200" algn="l" defTabSz="914400" rtl="0" eaLnBrk="1" latinLnBrk="0" hangingPunct="1">
+      <a:defRPr sz="1200" kern="1200">
+        <a:solidFill>
+          <a:schemeClr val="tx1"/>
+        </a:solidFill>
+        <a:latin typeface="+mn-lt"/>
+        <a:ea typeface="+mn-ea"/>
+        <a:cs typeface="+mn-cs"/>
+      </a:defRPr>
+    </a:lvl7pPr>
+    <a:lvl8pPr marL="3200400" algn="l" defTabSz="914400" rtl="0" eaLnBrk="1" latinLnBrk="0" hangingPunct="1">
+      <a:defRPr sz="1200" kern="1200">
+        <a:solidFill>
+          <a:schemeClr val="tx1"/>
+        </a:solidFill>
+        <a:latin typeface="+mn-lt"/>
+        <a:ea typeface="+mn-ea"/>
+        <a:cs typeface="+mn-cs"/>
+      </a:defRPr>
+    </a:lvl8pPr>
+    <a:lvl9pPr marL="3657600" algn="l" defTabSz="914400" rtl="0" eaLnBrk="1" latinLnBrk="0" hangingPunct="1">
+      <a:defRPr sz="1200" kern="1200">
+        <a:solidFill>
+          <a:schemeClr val="tx1"/>
+        </a:solidFill>
+        <a:latin typeface="+mn-lt"/>
+        <a:ea typeface="+mn-ea"/>
+        <a:cs typeface="+mn-cs"/>
+      </a:defRPr>
+    </a:lvl9pPr>
+  </p:notesStyle>
+</p:notesMaster>
+</file>
+
+<file path=ppt/notesSlides/notesSlide1.xml><?xml version="1.0" encoding="utf-8"?>
+<p:notes xmlns:a="http://schemas.openxmlformats.org/drawingml/2006/main" xmlns:r="http://schemas.openxmlformats.org/officeDocument/2006/relationships" xmlns:p="http://schemas.openxmlformats.org/presentationml/2006/main">
+  <p:cSld>
+    <p:spTree>
+      <p:nvGrpSpPr>
+        <p:cNvPr id="1" name=""/>
+        <p:cNvGrpSpPr/>
+        <p:nvPr/>
+      </p:nvGrpSpPr>
+      <p:grpSpPr>
+        <a:xfrm>
+          <a:off x="0" y="0"/>
+          <a:ext cx="0" cy="0"/>
+          <a:chOff x="0" y="0"/>
+          <a:chExt cx="0" cy="0"/>
+        </a:xfrm>
+      </p:grpSpPr>
+      <p:sp>
+        <p:nvSpPr>
+          <p:cNvPr id="2" name="Slide Image Placeholder 1"/>
+          <p:cNvSpPr>
+            <a:spLocks noGrp="1" noRot="1" noChangeAspect="1"/>
+          </p:cNvSpPr>
+          <p:nvPr>
+            <p:ph type="sldImg"/>
+          </p:nvPr>
+        </p:nvSpPr>
+        <p:spPr/>
+      </p:sp>
+      <p:sp>
+        <p:nvSpPr>
+          <p:cNvPr id="3" name="Notes Placeholder 2"/>
+          <p:cNvSpPr>
+            <a:spLocks noGrp="1"/>
+          </p:cNvSpPr>
+          <p:nvPr>
+            <p:ph type="body" idx="1"/>
+          </p:nvPr>
+        </p:nvSpPr>
+        <p:spPr/>
+        <p:txBody>
+          <a:bodyPr/>
+          <a:lstStyle/>
+          <a:p>
+            <a:r>
+              <a:rPr lang="en-US" dirty="0" smtClean="0"/>
+              <a:t>Problem:</a:t>
+            </a:r>
+            <a:r>
+              <a:rPr lang="en-US" baseline="0" dirty="0" smtClean="0"/>
+              <a:t> Given news articles for h days ended at time point t, we want to predict whether one (or more) event will occur at </a:t>
+            </a:r>
+            <a:r>
+              <a:rPr lang="en-US" baseline="0" dirty="0" err="1" smtClean="0"/>
+              <a:t>t+k</a:t>
+            </a:r>
+            <a:r>
+              <a:rPr lang="en-US" baseline="0" dirty="0" smtClean="0"/>
+              <a:t> with k lead time, and identify the articles that are indicators to the event(s).</a:t>
+            </a:r>
+            <a:endParaRPr lang="en-US" dirty="0"/>
+          </a:p>
+        </p:txBody>
+      </p:sp>
+      <p:sp>
+        <p:nvSpPr>
+          <p:cNvPr id="4" name="Slide Number Placeholder 3"/>
+          <p:cNvSpPr>
+            <a:spLocks noGrp="1"/>
+          </p:cNvSpPr>
+          <p:nvPr>
+            <p:ph type="sldNum" sz="quarter" idx="10"/>
+          </p:nvPr>
+        </p:nvSpPr>
+        <p:spPr/>
+        <p:txBody>
+          <a:bodyPr/>
+          <a:lstStyle/>
+          <a:p>
+            <a:fld id="{F234985F-FB93-9740-9B23-431FDD357FFA}" type="slidenum">
+              <a:rPr lang="en-US" smtClean="0"/>
+              <a:t>4</a:t>
+            </a:fld>
+            <a:endParaRPr lang="en-US"/>
+          </a:p>
+        </p:txBody>
+      </p:sp>
+    </p:spTree>
+    <p:extLst>
+      <p:ext uri="{BB962C8B-B14F-4D97-AF65-F5344CB8AC3E}">
+        <p14:creationId xmlns:p14="http://schemas.microsoft.com/office/powerpoint/2010/main" val="517750776"/>
+      </p:ext>
+    </p:extLst>
+  </p:cSld>
+  <p:clrMapOvr>
+    <a:masterClrMapping/>
+  </p:clrMapOvr>
+</p:notes>
 </file>
 
 <file path=ppt/slideLayouts/slideLayout1.xml><?xml version="1.0" encoding="utf-8"?>
@@ -8317,4 +8770,265 @@
     </a:ext>
   </a:extLst>
 </a:theme>
+</file>
+
+<file path=ppt/theme/theme2.xml><?xml version="1.0" encoding="utf-8"?>
+<a:theme xmlns:a="http://schemas.openxmlformats.org/drawingml/2006/main" name="Office Theme">
+  <a:themeElements>
+    <a:clrScheme name="Office">
+      <a:dk1>
+        <a:sysClr val="windowText" lastClr="000000"/>
+      </a:dk1>
+      <a:lt1>
+        <a:sysClr val="window" lastClr="FFFFFF"/>
+      </a:lt1>
+      <a:dk2>
+        <a:srgbClr val="44546A"/>
+      </a:dk2>
+      <a:lt2>
+        <a:srgbClr val="E7E6E6"/>
+      </a:lt2>
+      <a:accent1>
+        <a:srgbClr val="4472C4"/>
+      </a:accent1>
+      <a:accent2>
+        <a:srgbClr val="ED7D31"/>
+      </a:accent2>
+      <a:accent3>
+        <a:srgbClr val="A5A5A5"/>
+      </a:accent3>
+      <a:accent4>
+        <a:srgbClr val="FFC000"/>
+      </a:accent4>
+      <a:accent5>
+        <a:srgbClr val="5B9BD5"/>
+      </a:accent5>
+      <a:accent6>
+        <a:srgbClr val="70AD47"/>
+      </a:accent6>
+      <a:hlink>
+        <a:srgbClr val="0563C1"/>
+      </a:hlink>
+      <a:folHlink>
+        <a:srgbClr val="954F72"/>
+      </a:folHlink>
+    </a:clrScheme>
+    <a:fontScheme name="Office">
+      <a:majorFont>
+        <a:latin typeface="Calibri Light" panose="020F0302020204030204"/>
+        <a:ea typeface=""/>
+        <a:cs typeface=""/>
+        <a:font script="Jpan" typeface="Yu Gothic Light"/>
+        <a:font script="Hang" typeface="맑은 고딕"/>
+        <a:font script="Hans" typeface="DengXian Light"/>
+        <a:font script="Hant" typeface="新細明體"/>
+        <a:font script="Arab" typeface="Times New Roman"/>
+        <a:font script="Hebr" typeface="Times New Roman"/>
+        <a:font script="Thai" typeface="Angsana New"/>
+        <a:font script="Ethi" typeface="Nyala"/>
+        <a:font script="Beng" typeface="Vrinda"/>
+        <a:font script="Gujr" typeface="Shruti"/>
+        <a:font script="Khmr" typeface="MoolBoran"/>
+        <a:font script="Knda" typeface="Tunga"/>
+        <a:font script="Guru" typeface="Raavi"/>
+        <a:font script="Cans" typeface="Euphemia"/>
+        <a:font script="Cher" typeface="Plantagenet Cherokee"/>
+        <a:font script="Yiii" typeface="Microsoft Yi Baiti"/>
+        <a:font script="Tibt" typeface="Microsoft Himalaya"/>
+        <a:font script="Thaa" typeface="MV Boli"/>
+        <a:font script="Deva" typeface="Mangal"/>
+        <a:font script="Telu" typeface="Gautami"/>
+        <a:font script="Taml" typeface="Latha"/>
+        <a:font script="Syrc" typeface="Estrangelo Edessa"/>
+        <a:font script="Orya" typeface="Kalinga"/>
+        <a:font script="Mlym" typeface="Kartika"/>
+        <a:font script="Laoo" typeface="DokChampa"/>
+        <a:font script="Sinh" typeface="Iskoola Pota"/>
+        <a:font script="Mong" typeface="Mongolian Baiti"/>
+        <a:font script="Viet" typeface="Times New Roman"/>
+        <a:font script="Uigh" typeface="Microsoft Uighur"/>
+        <a:font script="Geor" typeface="Sylfaen"/>
+      </a:majorFont>
+      <a:minorFont>
+        <a:latin typeface="Calibri" panose="020F0502020204030204"/>
+        <a:ea typeface=""/>
+        <a:cs typeface=""/>
+        <a:font script="Jpan" typeface="Yu Gothic"/>
+        <a:font script="Hang" typeface="맑은 고딕"/>
+        <a:font script="Hans" typeface="DengXian"/>
+        <a:font script="Hant" typeface="新細明體"/>
+        <a:font script="Arab" typeface="Arial"/>
+        <a:font script="Hebr" typeface="Arial"/>
+        <a:font script="Thai" typeface="Cordia New"/>
+        <a:font script="Ethi" typeface="Nyala"/>
+        <a:font script="Beng" typeface="Vrinda"/>
+        <a:font script="Gujr" typeface="Shruti"/>
+        <a:font script="Khmr" typeface="DaunPenh"/>
+        <a:font script="Knda" typeface="Tunga"/>
+        <a:font script="Guru" typeface="Raavi"/>
+        <a:font script="Cans" typeface="Euphemia"/>
+        <a:font script="Cher" typeface="Plantagenet Cherokee"/>
+        <a:font script="Yiii" typeface="Microsoft Yi Baiti"/>
+        <a:font script="Tibt" typeface="Microsoft Himalaya"/>
+        <a:font script="Thaa" typeface="MV Boli"/>
+        <a:font script="Deva" typeface="Mangal"/>
+        <a:font script="Telu" typeface="Gautami"/>
+        <a:font script="Taml" typeface="Latha"/>
+        <a:font script="Syrc" typeface="Estrangelo Edessa"/>
+        <a:font script="Orya" typeface="Kalinga"/>
+        <a:font script="Mlym" typeface="Kartika"/>
+        <a:font script="Laoo" typeface="DokChampa"/>
+        <a:font script="Sinh" typeface="Iskoola Pota"/>
+        <a:font script="Mong" typeface="Mongolian Baiti"/>
+        <a:font script="Viet" typeface="Arial"/>
+        <a:font script="Uigh" typeface="Microsoft Uighur"/>
+        <a:font script="Geor" typeface="Sylfaen"/>
+      </a:minorFont>
+    </a:fontScheme>
+    <a:fmtScheme name="Office">
+      <a:fillStyleLst>
+        <a:solidFill>
+          <a:schemeClr val="phClr"/>
+        </a:solidFill>
+        <a:gradFill rotWithShape="1">
+          <a:gsLst>
+            <a:gs pos="0">
+              <a:schemeClr val="phClr">
+                <a:lumMod val="110000"/>
+                <a:satMod val="105000"/>
+                <a:tint val="67000"/>
+              </a:schemeClr>
+            </a:gs>
+            <a:gs pos="50000">
+              <a:schemeClr val="phClr">
+                <a:lumMod val="105000"/>
+                <a:satMod val="103000"/>
+                <a:tint val="73000"/>
+              </a:schemeClr>
+            </a:gs>
+            <a:gs pos="100000">
+              <a:schemeClr val="phClr">
+                <a:lumMod val="105000"/>
+                <a:satMod val="109000"/>
+                <a:tint val="81000"/>
+              </a:schemeClr>
+            </a:gs>
+          </a:gsLst>
+          <a:lin ang="5400000" scaled="0"/>
+        </a:gradFill>
+        <a:gradFill rotWithShape="1">
+          <a:gsLst>
+            <a:gs pos="0">
+              <a:schemeClr val="phClr">
+                <a:satMod val="103000"/>
+                <a:lumMod val="102000"/>
+                <a:tint val="94000"/>
+              </a:schemeClr>
+            </a:gs>
+            <a:gs pos="50000">
+              <a:schemeClr val="phClr">
+                <a:satMod val="110000"/>
+                <a:lumMod val="100000"/>
+                <a:shade val="100000"/>
+              </a:schemeClr>
+            </a:gs>
+            <a:gs pos="100000">
+              <a:schemeClr val="phClr">
+                <a:lumMod val="99000"/>
+                <a:satMod val="120000"/>
+                <a:shade val="78000"/>
+              </a:schemeClr>
+            </a:gs>
+          </a:gsLst>
+          <a:lin ang="5400000" scaled="0"/>
+        </a:gradFill>
+      </a:fillStyleLst>
+      <a:lnStyleLst>
+        <a:ln w="6350" cap="flat" cmpd="sng" algn="ctr">
+          <a:solidFill>
+            <a:schemeClr val="phClr"/>
+          </a:solidFill>
+          <a:prstDash val="solid"/>
+          <a:miter lim="800000"/>
+        </a:ln>
+        <a:ln w="12700" cap="flat" cmpd="sng" algn="ctr">
+          <a:solidFill>
+            <a:schemeClr val="phClr"/>
+          </a:solidFill>
+          <a:prstDash val="solid"/>
+          <a:miter lim="800000"/>
+        </a:ln>
+        <a:ln w="19050" cap="flat" cmpd="sng" algn="ctr">
+          <a:solidFill>
+            <a:schemeClr val="phClr"/>
+          </a:solidFill>
+          <a:prstDash val="solid"/>
+          <a:miter lim="800000"/>
+        </a:ln>
+      </a:lnStyleLst>
+      <a:effectStyleLst>
+        <a:effectStyle>
+          <a:effectLst/>
+        </a:effectStyle>
+        <a:effectStyle>
+          <a:effectLst/>
+        </a:effectStyle>
+        <a:effectStyle>
+          <a:effectLst>
+            <a:outerShdw blurRad="57150" dist="19050" dir="5400000" algn="ctr" rotWithShape="0">
+              <a:srgbClr val="000000">
+                <a:alpha val="63000"/>
+              </a:srgbClr>
+            </a:outerShdw>
+          </a:effectLst>
+        </a:effectStyle>
+      </a:effectStyleLst>
+      <a:bgFillStyleLst>
+        <a:solidFill>
+          <a:schemeClr val="phClr"/>
+        </a:solidFill>
+        <a:solidFill>
+          <a:schemeClr val="phClr">
+            <a:tint val="95000"/>
+            <a:satMod val="170000"/>
+          </a:schemeClr>
+        </a:solidFill>
+        <a:gradFill rotWithShape="1">
+          <a:gsLst>
+            <a:gs pos="0">
+              <a:schemeClr val="phClr">
+                <a:tint val="93000"/>
+                <a:satMod val="150000"/>
+                <a:shade val="98000"/>
+                <a:lumMod val="102000"/>
+              </a:schemeClr>
+            </a:gs>
+            <a:gs pos="50000">
+              <a:schemeClr val="phClr">
+                <a:tint val="98000"/>
+                <a:satMod val="130000"/>
+                <a:shade val="90000"/>
+                <a:lumMod val="103000"/>
+              </a:schemeClr>
+            </a:gs>
+            <a:gs pos="100000">
+              <a:schemeClr val="phClr">
+                <a:shade val="63000"/>
+                <a:satMod val="120000"/>
+              </a:schemeClr>
+            </a:gs>
+          </a:gsLst>
+          <a:lin ang="5400000" scaled="0"/>
+        </a:gradFill>
+      </a:bgFillStyleLst>
+    </a:fmtScheme>
+  </a:themeElements>
+  <a:objectDefaults/>
+  <a:extraClrSchemeLst/>
+  <a:extLst>
+    <a:ext uri="{05A4C25C-085E-4340-85A3-A5531E510DB2}">
+      <thm15:themeFamily xmlns:thm15="http://schemas.microsoft.com/office/thememl/2012/main" name="Office Theme" id="{62F939B6-93AF-4DB8-9C6B-D6C7DFDC589F}" vid="{4A3C46E8-61CC-4603-A589-7422A47A8E4A}"/>
+    </a:ext>
+  </a:extLst>
+</a:theme>
 </file>